--- a/pptx/Goethe - Römische Elegien V.pptx
+++ b/pptx/Goethe - Römische Elegien V.pptx
@@ -8,17 +8,16 @@
     <p:sldId id="257" r:id="rId5"/>
     <p:sldId id="258" r:id="rId6"/>
     <p:sldId id="259" r:id="rId7"/>
-    <p:sldId id="260" r:id="rId8"/>
-    <p:sldId id="261" r:id="rId9"/>
-    <p:sldId id="262" r:id="rId10"/>
-    <p:sldId id="263" r:id="rId11"/>
-    <p:sldId id="264" r:id="rId12"/>
-    <p:sldId id="265" r:id="rId13"/>
-    <p:sldId id="267" r:id="rId14"/>
-    <p:sldId id="266" r:id="rId15"/>
-    <p:sldId id="268" r:id="rId16"/>
-    <p:sldId id="269" r:id="rId17"/>
-    <p:sldId id="270" r:id="rId18"/>
+    <p:sldId id="261" r:id="rId8"/>
+    <p:sldId id="262" r:id="rId9"/>
+    <p:sldId id="263" r:id="rId10"/>
+    <p:sldId id="264" r:id="rId11"/>
+    <p:sldId id="265" r:id="rId12"/>
+    <p:sldId id="267" r:id="rId13"/>
+    <p:sldId id="266" r:id="rId14"/>
+    <p:sldId id="268" r:id="rId15"/>
+    <p:sldId id="269" r:id="rId16"/>
+    <p:sldId id="270" r:id="rId17"/>
   </p:sldIdLst>
   <p:sldSz cx="12192000" cy="6858000"/>
   <p:notesSz cx="6858000" cy="9144000"/>
@@ -133,7 +132,6 @@
         </p14:section>
         <p14:section name="B: Hauptteil" id="{27C7DE8E-D1A0-4082-BFF9-A35F04FBB512}">
           <p14:sldIdLst>
-            <p14:sldId id="260"/>
             <p14:sldId id="261"/>
             <p14:sldId id="262"/>
             <p14:sldId id="263"/>
@@ -199,15 +197,15 @@
 </file>
 
 <file path=ppt/diagrams/colors1.xml><?xml version="1.0" encoding="utf-8"?>
-<dgm:colorsDef xmlns:dgm="http://schemas.openxmlformats.org/drawingml/2006/diagram" xmlns:a="http://schemas.openxmlformats.org/drawingml/2006/main" uniqueId="urn:microsoft.com/office/officeart/2018/5/colors/Iconchunking_neutralicon_colorful1">
+<dgm:colorsDef xmlns:dgm="http://schemas.openxmlformats.org/drawingml/2006/diagram" xmlns:a="http://schemas.openxmlformats.org/drawingml/2006/main" uniqueId="urn:microsoft.com/office/officeart/2005/8/colors/accent4_2">
   <dgm:title val=""/>
   <dgm:desc val=""/>
   <dgm:catLst>
-    <dgm:cat type="colorful" pri="10100"/>
+    <dgm:cat type="accent4" pri="11200"/>
   </dgm:catLst>
   <dgm:styleLbl name="node0">
     <dgm:fillClrLst meth="repeat">
-      <a:schemeClr val="accent1"/>
+      <a:schemeClr val="accent4"/>
     </dgm:fillClrLst>
     <dgm:linClrLst meth="repeat">
       <a:schemeClr val="lt1"/>
@@ -219,34 +217,22 @@
   </dgm:styleLbl>
   <dgm:styleLbl name="node1">
     <dgm:fillClrLst meth="repeat">
-      <a:schemeClr val="bg1"/>
+      <a:schemeClr val="accent4"/>
     </dgm:fillClrLst>
     <dgm:linClrLst meth="repeat">
-      <a:schemeClr val="lt1">
-        <a:alpha val="0"/>
-      </a:schemeClr>
+      <a:schemeClr val="lt1"/>
     </dgm:linClrLst>
     <dgm:effectClrLst/>
     <dgm:txLinClrLst/>
-    <dgm:txFillClrLst meth="repeat">
-      <a:schemeClr val="dk1"/>
-    </dgm:txFillClrLst>
+    <dgm:txFillClrLst/>
     <dgm:txEffectClrLst/>
   </dgm:styleLbl>
   <dgm:styleLbl name="alignNode1">
     <dgm:fillClrLst meth="repeat">
-      <a:schemeClr val="accent2"/>
-      <a:schemeClr val="accent3"/>
       <a:schemeClr val="accent4"/>
-      <a:schemeClr val="accent5"/>
-      <a:schemeClr val="accent6"/>
     </dgm:fillClrLst>
     <dgm:linClrLst meth="repeat">
-      <a:schemeClr val="accent2"/>
-      <a:schemeClr val="accent3"/>
       <a:schemeClr val="accent4"/>
-      <a:schemeClr val="accent5"/>
-      <a:schemeClr val="accent6"/>
     </dgm:linClrLst>
     <dgm:effectClrLst/>
     <dgm:txLinClrLst/>
@@ -255,11 +241,7 @@
   </dgm:styleLbl>
   <dgm:styleLbl name="lnNode1">
     <dgm:fillClrLst meth="repeat">
-      <a:schemeClr val="accent2"/>
-      <a:schemeClr val="accent3"/>
       <a:schemeClr val="accent4"/>
-      <a:schemeClr val="accent5"/>
-      <a:schemeClr val="accent6"/>
     </dgm:fillClrLst>
     <dgm:linClrLst meth="repeat">
       <a:schemeClr val="lt1"/>
@@ -271,19 +253,7 @@
   </dgm:styleLbl>
   <dgm:styleLbl name="vennNode1">
     <dgm:fillClrLst meth="repeat">
-      <a:schemeClr val="accent2">
-        <a:alpha val="50000"/>
-      </a:schemeClr>
-      <a:schemeClr val="accent3">
-        <a:alpha val="50000"/>
-      </a:schemeClr>
       <a:schemeClr val="accent4">
-        <a:alpha val="50000"/>
-      </a:schemeClr>
-      <a:schemeClr val="accent5">
-        <a:alpha val="50000"/>
-      </a:schemeClr>
-      <a:schemeClr val="accent6">
         <a:alpha val="50000"/>
       </a:schemeClr>
     </dgm:fillClrLst>
@@ -296,8 +266,8 @@
     <dgm:txEffectClrLst/>
   </dgm:styleLbl>
   <dgm:styleLbl name="node2">
-    <dgm:fillClrLst>
-      <a:schemeClr val="accent2"/>
+    <dgm:fillClrLst meth="repeat">
+      <a:schemeClr val="accent4"/>
     </dgm:fillClrLst>
     <dgm:linClrLst meth="repeat">
       <a:schemeClr val="lt1"/>
@@ -308,8 +278,8 @@
     <dgm:txEffectClrLst/>
   </dgm:styleLbl>
   <dgm:styleLbl name="node3">
-    <dgm:fillClrLst>
-      <a:schemeClr val="accent3"/>
+    <dgm:fillClrLst meth="repeat">
+      <a:schemeClr val="accent4"/>
     </dgm:fillClrLst>
     <dgm:linClrLst meth="repeat">
       <a:schemeClr val="lt1"/>
@@ -320,7 +290,7 @@
     <dgm:txEffectClrLst/>
   </dgm:styleLbl>
   <dgm:styleLbl name="node4">
-    <dgm:fillClrLst>
+    <dgm:fillClrLst meth="repeat">
       <a:schemeClr val="accent4"/>
     </dgm:fillClrLst>
     <dgm:linClrLst meth="repeat">
@@ -333,19 +303,7 @@
   </dgm:styleLbl>
   <dgm:styleLbl name="fgImgPlace1">
     <dgm:fillClrLst meth="repeat">
-      <a:schemeClr val="accent2">
-        <a:tint val="50000"/>
-      </a:schemeClr>
-      <a:schemeClr val="accent3">
-        <a:tint val="50000"/>
-      </a:schemeClr>
       <a:schemeClr val="accent4">
-        <a:tint val="50000"/>
-      </a:schemeClr>
-      <a:schemeClr val="accent5">
-        <a:tint val="50000"/>
-      </a:schemeClr>
-      <a:schemeClr val="accent6">
         <a:tint val="50000"/>
       </a:schemeClr>
     </dgm:fillClrLst>
@@ -360,12 +318,9 @@
     <dgm:txEffectClrLst/>
   </dgm:styleLbl>
   <dgm:styleLbl name="alignImgPlace1">
-    <dgm:fillClrLst>
-      <a:schemeClr val="accent1">
+    <dgm:fillClrLst meth="repeat">
+      <a:schemeClr val="accent4">
         <a:tint val="50000"/>
-      </a:schemeClr>
-      <a:schemeClr val="accent2">
-        <a:tint val="20000"/>
       </a:schemeClr>
     </dgm:fillClrLst>
     <dgm:linClrLst meth="repeat">
@@ -379,12 +334,9 @@
     <dgm:txEffectClrLst/>
   </dgm:styleLbl>
   <dgm:styleLbl name="bgImgPlace1">
-    <dgm:fillClrLst>
-      <a:schemeClr val="accent1">
+    <dgm:fillClrLst meth="repeat">
+      <a:schemeClr val="accent4">
         <a:tint val="50000"/>
-      </a:schemeClr>
-      <a:schemeClr val="accent2">
-        <a:tint val="20000"/>
       </a:schemeClr>
     </dgm:fillClrLst>
     <dgm:linClrLst meth="repeat">
@@ -399,14 +351,14 @@
   </dgm:styleLbl>
   <dgm:styleLbl name="sibTrans2D1">
     <dgm:fillClrLst meth="repeat">
-      <a:schemeClr val="accent2"/>
-      <a:schemeClr val="accent3"/>
-      <a:schemeClr val="accent4"/>
-      <a:schemeClr val="accent5"/>
-      <a:schemeClr val="accent6"/>
+      <a:schemeClr val="accent4">
+        <a:tint val="60000"/>
+      </a:schemeClr>
     </dgm:fillClrLst>
-    <dgm:linClrLst meth="cycle">
-      <a:schemeClr val="lt1"/>
+    <dgm:linClrLst meth="repeat">
+      <a:schemeClr val="accent4">
+        <a:tint val="60000"/>
+      </a:schemeClr>
     </dgm:linClrLst>
     <dgm:effectClrLst/>
     <dgm:txLinClrLst/>
@@ -415,54 +367,42 @@
   </dgm:styleLbl>
   <dgm:styleLbl name="fgSibTrans2D1">
     <dgm:fillClrLst meth="repeat">
-      <a:schemeClr val="accent2"/>
-      <a:schemeClr val="accent3"/>
-      <a:schemeClr val="accent4"/>
-      <a:schemeClr val="accent5"/>
-      <a:schemeClr val="accent6"/>
+      <a:schemeClr val="accent4">
+        <a:tint val="60000"/>
+      </a:schemeClr>
     </dgm:fillClrLst>
-    <dgm:linClrLst meth="cycle">
-      <a:schemeClr val="lt1"/>
+    <dgm:linClrLst meth="repeat">
+      <a:schemeClr val="accent4">
+        <a:tint val="60000"/>
+      </a:schemeClr>
     </dgm:linClrLst>
     <dgm:effectClrLst/>
     <dgm:txLinClrLst/>
-    <dgm:txFillClrLst meth="repeat">
-      <a:schemeClr val="lt1"/>
-    </dgm:txFillClrLst>
+    <dgm:txFillClrLst/>
     <dgm:txEffectClrLst/>
   </dgm:styleLbl>
   <dgm:styleLbl name="bgSibTrans2D1">
     <dgm:fillClrLst meth="repeat">
-      <a:schemeClr val="accent2"/>
-      <a:schemeClr val="accent3"/>
-      <a:schemeClr val="accent4"/>
-      <a:schemeClr val="accent5"/>
-      <a:schemeClr val="accent6"/>
+      <a:schemeClr val="accent4">
+        <a:tint val="60000"/>
+      </a:schemeClr>
     </dgm:fillClrLst>
-    <dgm:linClrLst meth="cycle">
-      <a:schemeClr val="lt1"/>
+    <dgm:linClrLst meth="repeat">
+      <a:schemeClr val="accent4">
+        <a:tint val="60000"/>
+      </a:schemeClr>
     </dgm:linClrLst>
     <dgm:effectClrLst/>
     <dgm:txLinClrLst/>
-    <dgm:txFillClrLst meth="repeat">
-      <a:schemeClr val="lt1"/>
-    </dgm:txFillClrLst>
+    <dgm:txFillClrLst/>
     <dgm:txEffectClrLst/>
   </dgm:styleLbl>
   <dgm:styleLbl name="sibTrans1D1">
     <dgm:fillClrLst meth="repeat">
-      <a:schemeClr val="accent2"/>
-      <a:schemeClr val="accent3"/>
       <a:schemeClr val="accent4"/>
-      <a:schemeClr val="accent5"/>
-      <a:schemeClr val="accent6"/>
     </dgm:fillClrLst>
     <dgm:linClrLst meth="repeat">
-      <a:schemeClr val="accent2"/>
-      <a:schemeClr val="accent3"/>
       <a:schemeClr val="accent4"/>
-      <a:schemeClr val="accent5"/>
-      <a:schemeClr val="accent6"/>
     </dgm:linClrLst>
     <dgm:effectClrLst/>
     <dgm:txLinClrLst/>
@@ -473,10 +413,10 @@
   </dgm:styleLbl>
   <dgm:styleLbl name="callout">
     <dgm:fillClrLst meth="repeat">
-      <a:schemeClr val="accent2"/>
+      <a:schemeClr val="accent4"/>
     </dgm:fillClrLst>
     <dgm:linClrLst meth="repeat">
-      <a:schemeClr val="accent2">
+      <a:schemeClr val="accent4">
         <a:tint val="50000"/>
       </a:schemeClr>
     </dgm:linClrLst>
@@ -489,7 +429,7 @@
   </dgm:styleLbl>
   <dgm:styleLbl name="asst0">
     <dgm:fillClrLst meth="repeat">
-      <a:schemeClr val="accent1"/>
+      <a:schemeClr val="accent4"/>
     </dgm:fillClrLst>
     <dgm:linClrLst meth="repeat">
       <a:schemeClr val="lt1"/>
@@ -501,7 +441,7 @@
   </dgm:styleLbl>
   <dgm:styleLbl name="asst1">
     <dgm:fillClrLst meth="repeat">
-      <a:schemeClr val="accent2"/>
+      <a:schemeClr val="accent4"/>
     </dgm:fillClrLst>
     <dgm:linClrLst meth="repeat">
       <a:schemeClr val="lt1"/>
@@ -512,8 +452,8 @@
     <dgm:txEffectClrLst/>
   </dgm:styleLbl>
   <dgm:styleLbl name="asst2">
-    <dgm:fillClrLst>
-      <a:schemeClr val="accent3"/>
+    <dgm:fillClrLst meth="repeat">
+      <a:schemeClr val="accent4"/>
     </dgm:fillClrLst>
     <dgm:linClrLst meth="repeat">
       <a:schemeClr val="lt1"/>
@@ -524,7 +464,7 @@
     <dgm:txEffectClrLst/>
   </dgm:styleLbl>
   <dgm:styleLbl name="asst3">
-    <dgm:fillClrLst>
+    <dgm:fillClrLst meth="repeat">
       <a:schemeClr val="accent4"/>
     </dgm:fillClrLst>
     <dgm:linClrLst meth="repeat">
@@ -536,8 +476,8 @@
     <dgm:txEffectClrLst/>
   </dgm:styleLbl>
   <dgm:styleLbl name="asst4">
-    <dgm:fillClrLst>
-      <a:schemeClr val="accent5"/>
+    <dgm:fillClrLst meth="repeat">
+      <a:schemeClr val="accent4"/>
     </dgm:fillClrLst>
     <dgm:linClrLst meth="repeat">
       <a:schemeClr val="lt1"/>
@@ -549,10 +489,14 @@
   </dgm:styleLbl>
   <dgm:styleLbl name="parChTrans2D1">
     <dgm:fillClrLst meth="repeat">
-      <a:schemeClr val="accent2"/>
+      <a:schemeClr val="accent4">
+        <a:tint val="60000"/>
+      </a:schemeClr>
     </dgm:fillClrLst>
     <dgm:linClrLst meth="repeat">
-      <a:schemeClr val="lt1"/>
+      <a:schemeClr val="accent4">
+        <a:tint val="60000"/>
+      </a:schemeClr>
     </dgm:linClrLst>
     <dgm:effectClrLst/>
     <dgm:txLinClrLst/>
@@ -563,14 +507,16 @@
   </dgm:styleLbl>
   <dgm:styleLbl name="parChTrans2D2">
     <dgm:fillClrLst meth="repeat">
-      <a:schemeClr val="accent3"/>
+      <a:schemeClr val="accent4"/>
     </dgm:fillClrLst>
     <dgm:linClrLst meth="repeat">
-      <a:schemeClr val="lt1"/>
+      <a:schemeClr val="accent4"/>
     </dgm:linClrLst>
     <dgm:effectClrLst/>
     <dgm:txLinClrLst/>
-    <dgm:txFillClrLst/>
+    <dgm:txFillClrLst meth="repeat">
+      <a:schemeClr val="lt1"/>
+    </dgm:txFillClrLst>
     <dgm:txEffectClrLst/>
   </dgm:styleLbl>
   <dgm:styleLbl name="parChTrans2D3">
@@ -578,19 +524,21 @@
       <a:schemeClr val="accent4"/>
     </dgm:fillClrLst>
     <dgm:linClrLst meth="repeat">
-      <a:schemeClr val="lt1"/>
+      <a:schemeClr val="accent4"/>
     </dgm:linClrLst>
     <dgm:effectClrLst/>
     <dgm:txLinClrLst/>
-    <dgm:txFillClrLst/>
+    <dgm:txFillClrLst meth="repeat">
+      <a:schemeClr val="lt1"/>
+    </dgm:txFillClrLst>
     <dgm:txEffectClrLst/>
   </dgm:styleLbl>
   <dgm:styleLbl name="parChTrans2D4">
     <dgm:fillClrLst meth="repeat">
-      <a:schemeClr val="accent5"/>
+      <a:schemeClr val="accent4"/>
     </dgm:fillClrLst>
     <dgm:linClrLst meth="repeat">
-      <a:schemeClr val="lt1"/>
+      <a:schemeClr val="accent4"/>
     </dgm:linClrLst>
     <dgm:effectClrLst/>
     <dgm:txLinClrLst/>
@@ -601,10 +549,12 @@
   </dgm:styleLbl>
   <dgm:styleLbl name="parChTrans1D1">
     <dgm:fillClrLst meth="repeat">
-      <a:schemeClr val="accent2"/>
+      <a:schemeClr val="accent4"/>
     </dgm:fillClrLst>
     <dgm:linClrLst meth="repeat">
-      <a:schemeClr val="accent1"/>
+      <a:schemeClr val="accent4">
+        <a:shade val="60000"/>
+      </a:schemeClr>
     </dgm:linClrLst>
     <dgm:effectClrLst/>
     <dgm:txLinClrLst/>
@@ -615,12 +565,12 @@
   </dgm:styleLbl>
   <dgm:styleLbl name="parChTrans1D2">
     <dgm:fillClrLst meth="repeat">
-      <a:schemeClr val="accent3">
-        <a:tint val="90000"/>
-      </a:schemeClr>
+      <a:schemeClr val="accent4"/>
     </dgm:fillClrLst>
     <dgm:linClrLst meth="repeat">
-      <a:schemeClr val="accent2"/>
+      <a:schemeClr val="accent4">
+        <a:shade val="60000"/>
+      </a:schemeClr>
     </dgm:linClrLst>
     <dgm:effectClrLst/>
     <dgm:txLinClrLst/>
@@ -631,12 +581,12 @@
   </dgm:styleLbl>
   <dgm:styleLbl name="parChTrans1D3">
     <dgm:fillClrLst meth="repeat">
-      <a:schemeClr val="accent4">
-        <a:tint val="70000"/>
-      </a:schemeClr>
+      <a:schemeClr val="accent4"/>
     </dgm:fillClrLst>
     <dgm:linClrLst meth="repeat">
-      <a:schemeClr val="accent3"/>
+      <a:schemeClr val="accent4">
+        <a:shade val="80000"/>
+      </a:schemeClr>
     </dgm:linClrLst>
     <dgm:effectClrLst/>
     <dgm:txLinClrLst/>
@@ -647,12 +597,12 @@
   </dgm:styleLbl>
   <dgm:styleLbl name="parChTrans1D4">
     <dgm:fillClrLst meth="repeat">
-      <a:schemeClr val="accent5">
-        <a:tint val="50000"/>
-      </a:schemeClr>
+      <a:schemeClr val="accent4"/>
     </dgm:fillClrLst>
     <dgm:linClrLst meth="repeat">
-      <a:schemeClr val="accent4"/>
+      <a:schemeClr val="accent4">
+        <a:shade val="80000"/>
+      </a:schemeClr>
     </dgm:linClrLst>
     <dgm:effectClrLst/>
     <dgm:txLinClrLst/>
@@ -668,11 +618,7 @@
       </a:schemeClr>
     </dgm:fillClrLst>
     <dgm:linClrLst meth="repeat">
-      <a:schemeClr val="accent2"/>
-      <a:schemeClr val="accent3"/>
       <a:schemeClr val="accent4"/>
-      <a:schemeClr val="accent5"/>
-      <a:schemeClr val="accent6"/>
     </dgm:linClrLst>
     <dgm:effectClrLst/>
     <dgm:txLinClrLst/>
@@ -688,11 +634,7 @@
       </a:schemeClr>
     </dgm:fillClrLst>
     <dgm:linClrLst meth="repeat">
-      <a:schemeClr val="accent2"/>
-      <a:schemeClr val="accent3"/>
       <a:schemeClr val="accent4"/>
-      <a:schemeClr val="accent5"/>
-      <a:schemeClr val="accent6"/>
     </dgm:linClrLst>
     <dgm:effectClrLst/>
     <dgm:txLinClrLst/>
@@ -708,11 +650,7 @@
       </a:schemeClr>
     </dgm:fillClrLst>
     <dgm:linClrLst meth="repeat">
-      <a:schemeClr val="accent2"/>
-      <a:schemeClr val="accent3"/>
       <a:schemeClr val="accent4"/>
-      <a:schemeClr val="accent5"/>
-      <a:schemeClr val="accent6"/>
     </dgm:linClrLst>
     <dgm:effectClrLst/>
     <dgm:txLinClrLst/>
@@ -728,7 +666,7 @@
       </a:schemeClr>
     </dgm:fillClrLst>
     <dgm:linClrLst meth="repeat">
-      <a:schemeClr val="accent1"/>
+      <a:schemeClr val="accent4"/>
     </dgm:linClrLst>
     <dgm:effectClrLst/>
     <dgm:txLinClrLst/>
@@ -744,11 +682,7 @@
       </a:schemeClr>
     </dgm:fillClrLst>
     <dgm:linClrLst meth="repeat">
-      <a:schemeClr val="accent2"/>
-      <a:schemeClr val="accent3"/>
       <a:schemeClr val="accent4"/>
-      <a:schemeClr val="accent5"/>
-      <a:schemeClr val="accent6"/>
     </dgm:linClrLst>
     <dgm:effectClrLst/>
     <dgm:txLinClrLst/>
@@ -762,11 +696,7 @@
       <a:schemeClr val="lt1"/>
     </dgm:fillClrLst>
     <dgm:linClrLst meth="repeat">
-      <a:schemeClr val="accent2"/>
-      <a:schemeClr val="accent3"/>
       <a:schemeClr val="accent4"/>
-      <a:schemeClr val="accent5"/>
-      <a:schemeClr val="accent6"/>
     </dgm:linClrLst>
     <dgm:effectClrLst/>
     <dgm:txLinClrLst/>
@@ -780,11 +710,7 @@
       <a:schemeClr val="lt1"/>
     </dgm:fillClrLst>
     <dgm:linClrLst meth="repeat">
-      <a:schemeClr val="accent2"/>
-      <a:schemeClr val="accent3"/>
       <a:schemeClr val="accent4"/>
-      <a:schemeClr val="accent5"/>
-      <a:schemeClr val="accent6"/>
     </dgm:linClrLst>
     <dgm:effectClrLst/>
     <dgm:txLinClrLst/>
@@ -798,11 +724,7 @@
       <a:schemeClr val="lt1"/>
     </dgm:fillClrLst>
     <dgm:linClrLst meth="repeat">
-      <a:schemeClr val="accent2"/>
-      <a:schemeClr val="accent3"/>
       <a:schemeClr val="accent4"/>
-      <a:schemeClr val="accent5"/>
-      <a:schemeClr val="accent6"/>
     </dgm:linClrLst>
     <dgm:effectClrLst/>
     <dgm:txLinClrLst/>
@@ -813,47 +735,15 @@
   </dgm:styleLbl>
   <dgm:styleLbl name="fgAccFollowNode1">
     <dgm:fillClrLst meth="repeat">
-      <a:schemeClr val="accent2">
+      <a:schemeClr val="accent4">
+        <a:alpha val="90000"/>
         <a:tint val="40000"/>
-        <a:alpha val="90000"/>
-      </a:schemeClr>
-      <a:schemeClr val="accent3">
-        <a:tint val="40000"/>
-        <a:alpha val="90000"/>
-      </a:schemeClr>
-      <a:schemeClr val="accent4">
-        <a:tint val="40000"/>
-        <a:alpha val="90000"/>
-      </a:schemeClr>
-      <a:schemeClr val="accent5">
-        <a:tint val="40000"/>
-        <a:alpha val="90000"/>
-      </a:schemeClr>
-      <a:schemeClr val="accent6">
-        <a:tint val="40000"/>
-        <a:alpha val="90000"/>
       </a:schemeClr>
     </dgm:fillClrLst>
     <dgm:linClrLst meth="repeat">
-      <a:schemeClr val="accent2">
+      <a:schemeClr val="accent4">
+        <a:alpha val="90000"/>
         <a:tint val="40000"/>
-        <a:alpha val="90000"/>
-      </a:schemeClr>
-      <a:schemeClr val="accent3">
-        <a:tint val="40000"/>
-        <a:alpha val="90000"/>
-      </a:schemeClr>
-      <a:schemeClr val="accent4">
-        <a:tint val="40000"/>
-        <a:alpha val="90000"/>
-      </a:schemeClr>
-      <a:schemeClr val="accent5">
-        <a:tint val="40000"/>
-        <a:alpha val="90000"/>
-      </a:schemeClr>
-      <a:schemeClr val="accent6">
-        <a:tint val="40000"/>
-        <a:alpha val="90000"/>
       </a:schemeClr>
     </dgm:linClrLst>
     <dgm:effectClrLst/>
@@ -865,47 +755,15 @@
   </dgm:styleLbl>
   <dgm:styleLbl name="alignAccFollowNode1">
     <dgm:fillClrLst meth="repeat">
-      <a:schemeClr val="accent2">
+      <a:schemeClr val="accent4">
+        <a:alpha val="90000"/>
         <a:tint val="40000"/>
-        <a:alpha val="90000"/>
-      </a:schemeClr>
-      <a:schemeClr val="accent3">
-        <a:tint val="40000"/>
-        <a:alpha val="90000"/>
-      </a:schemeClr>
-      <a:schemeClr val="accent4">
-        <a:tint val="40000"/>
-        <a:alpha val="90000"/>
-      </a:schemeClr>
-      <a:schemeClr val="accent5">
-        <a:tint val="40000"/>
-        <a:alpha val="90000"/>
-      </a:schemeClr>
-      <a:schemeClr val="accent6">
-        <a:tint val="40000"/>
-        <a:alpha val="90000"/>
       </a:schemeClr>
     </dgm:fillClrLst>
     <dgm:linClrLst meth="repeat">
-      <a:schemeClr val="accent2">
+      <a:schemeClr val="accent4">
+        <a:alpha val="90000"/>
         <a:tint val="40000"/>
-        <a:alpha val="90000"/>
-      </a:schemeClr>
-      <a:schemeClr val="accent3">
-        <a:tint val="40000"/>
-        <a:alpha val="90000"/>
-      </a:schemeClr>
-      <a:schemeClr val="accent4">
-        <a:tint val="40000"/>
-        <a:alpha val="90000"/>
-      </a:schemeClr>
-      <a:schemeClr val="accent5">
-        <a:tint val="40000"/>
-        <a:alpha val="90000"/>
-      </a:schemeClr>
-      <a:schemeClr val="accent6">
-        <a:tint val="40000"/>
-        <a:alpha val="90000"/>
       </a:schemeClr>
     </dgm:linClrLst>
     <dgm:effectClrLst/>
@@ -917,47 +775,15 @@
   </dgm:styleLbl>
   <dgm:styleLbl name="bgAccFollowNode1">
     <dgm:fillClrLst meth="repeat">
-      <a:schemeClr val="accent2">
+      <a:schemeClr val="accent4">
+        <a:alpha val="90000"/>
         <a:tint val="40000"/>
-        <a:alpha val="90000"/>
-      </a:schemeClr>
-      <a:schemeClr val="accent3">
-        <a:tint val="40000"/>
-        <a:alpha val="90000"/>
-      </a:schemeClr>
-      <a:schemeClr val="accent4">
-        <a:tint val="40000"/>
-        <a:alpha val="90000"/>
-      </a:schemeClr>
-      <a:schemeClr val="accent5">
-        <a:tint val="40000"/>
-        <a:alpha val="90000"/>
-      </a:schemeClr>
-      <a:schemeClr val="accent6">
-        <a:tint val="40000"/>
-        <a:alpha val="90000"/>
       </a:schemeClr>
     </dgm:fillClrLst>
     <dgm:linClrLst meth="repeat">
-      <a:schemeClr val="accent2">
+      <a:schemeClr val="accent4">
+        <a:alpha val="90000"/>
         <a:tint val="40000"/>
-        <a:alpha val="90000"/>
-      </a:schemeClr>
-      <a:schemeClr val="accent3">
-        <a:tint val="40000"/>
-        <a:alpha val="90000"/>
-      </a:schemeClr>
-      <a:schemeClr val="accent4">
-        <a:tint val="40000"/>
-        <a:alpha val="90000"/>
-      </a:schemeClr>
-      <a:schemeClr val="accent5">
-        <a:tint val="40000"/>
-        <a:alpha val="90000"/>
-      </a:schemeClr>
-      <a:schemeClr val="accent6">
-        <a:tint val="40000"/>
-        <a:alpha val="90000"/>
       </a:schemeClr>
     </dgm:linClrLst>
     <dgm:effectClrLst/>
@@ -973,8 +799,8 @@
         <a:alpha val="90000"/>
       </a:schemeClr>
     </dgm:fillClrLst>
-    <dgm:linClrLst>
-      <a:schemeClr val="accent1"/>
+    <dgm:linClrLst meth="repeat">
+      <a:schemeClr val="accent4"/>
     </dgm:linClrLst>
     <dgm:effectClrLst/>
     <dgm:txLinClrLst/>
@@ -989,8 +815,8 @@
         <a:alpha val="90000"/>
       </a:schemeClr>
     </dgm:fillClrLst>
-    <dgm:linClrLst>
-      <a:schemeClr val="accent2"/>
+    <dgm:linClrLst meth="repeat">
+      <a:schemeClr val="accent4"/>
     </dgm:linClrLst>
     <dgm:effectClrLst/>
     <dgm:txLinClrLst/>
@@ -1005,8 +831,8 @@
         <a:alpha val="90000"/>
       </a:schemeClr>
     </dgm:fillClrLst>
-    <dgm:linClrLst>
-      <a:schemeClr val="accent3"/>
+    <dgm:linClrLst meth="repeat">
+      <a:schemeClr val="accent4"/>
     </dgm:linClrLst>
     <dgm:effectClrLst/>
     <dgm:txLinClrLst/>
@@ -1021,7 +847,7 @@
         <a:alpha val="90000"/>
       </a:schemeClr>
     </dgm:fillClrLst>
-    <dgm:linClrLst>
+    <dgm:linClrLst meth="repeat">
       <a:schemeClr val="accent4"/>
     </dgm:linClrLst>
     <dgm:effectClrLst/>
@@ -1033,30 +859,28 @@
   </dgm:styleLbl>
   <dgm:styleLbl name="bgShp">
     <dgm:fillClrLst meth="repeat">
-      <a:schemeClr val="accent2"/>
-      <a:schemeClr val="accent3"/>
-      <a:schemeClr val="accent4"/>
-      <a:schemeClr val="accent5"/>
-      <a:schemeClr val="accent6"/>
+      <a:schemeClr val="accent4">
+        <a:tint val="40000"/>
+      </a:schemeClr>
     </dgm:fillClrLst>
     <dgm:linClrLst meth="repeat">
-      <a:schemeClr val="lt1">
-        <a:alpha val="0"/>
-      </a:schemeClr>
+      <a:schemeClr val="accent4"/>
     </dgm:linClrLst>
     <dgm:effectClrLst/>
     <dgm:txLinClrLst/>
-    <dgm:txFillClrLst/>
+    <dgm:txFillClrLst meth="repeat">
+      <a:schemeClr val="dk1"/>
+    </dgm:txFillClrLst>
     <dgm:txEffectClrLst/>
   </dgm:styleLbl>
   <dgm:styleLbl name="dkBgShp">
     <dgm:fillClrLst meth="repeat">
-      <a:schemeClr val="accent2">
-        <a:shade val="90000"/>
+      <a:schemeClr val="accent4">
+        <a:shade val="80000"/>
       </a:schemeClr>
     </dgm:fillClrLst>
     <dgm:linClrLst meth="repeat">
-      <a:schemeClr val="dk1"/>
+      <a:schemeClr val="accent4"/>
     </dgm:linClrLst>
     <dgm:effectClrLst/>
     <dgm:txLinClrLst/>
@@ -1067,13 +891,13 @@
   </dgm:styleLbl>
   <dgm:styleLbl name="trBgShp">
     <dgm:fillClrLst meth="repeat">
-      <a:schemeClr val="accent1">
+      <a:schemeClr val="accent4">
         <a:tint val="50000"/>
         <a:alpha val="40000"/>
       </a:schemeClr>
     </dgm:fillClrLst>
     <dgm:linClrLst meth="repeat">
-      <a:schemeClr val="accent2"/>
+      <a:schemeClr val="accent4"/>
     </dgm:linClrLst>
     <dgm:effectClrLst/>
     <dgm:txLinClrLst/>
@@ -1084,8 +908,8 @@
   </dgm:styleLbl>
   <dgm:styleLbl name="fgShp">
     <dgm:fillClrLst meth="repeat">
-      <a:schemeClr val="accent2">
-        <a:tint val="40000"/>
+      <a:schemeClr val="accent4">
+        <a:tint val="60000"/>
       </a:schemeClr>
     </dgm:fillClrLst>
     <dgm:linClrLst meth="repeat">
@@ -1123,7 +947,7 @@
 <dgm:dataModel xmlns:dgm="http://schemas.openxmlformats.org/drawingml/2006/diagram" xmlns:a="http://schemas.openxmlformats.org/drawingml/2006/main">
   <dgm:ptLst>
     <dgm:pt modelId="{29D1E7DE-541F-428C-83F2-C42FEF1BAC0C}" type="doc">
-      <dgm:prSet loTypeId="urn:microsoft.com/office/officeart/2018/5/layout/IconCircleLabelList" loCatId="icon" qsTypeId="urn:microsoft.com/office/officeart/2005/8/quickstyle/simple1" qsCatId="simple" csTypeId="urn:microsoft.com/office/officeart/2018/5/colors/Iconchunking_neutralicon_colorful1" csCatId="colorful" phldr="1"/>
+      <dgm:prSet loTypeId="urn:microsoft.com/office/officeart/2018/5/layout/IconCircleLabelList" loCatId="icon" qsTypeId="urn:microsoft.com/office/officeart/2005/8/quickstyle/simple5" qsCatId="simple" csTypeId="urn:microsoft.com/office/officeart/2005/8/colors/accent4_2" csCatId="accent4" phldr="1"/>
       <dgm:spPr/>
       <dgm:t>
         <a:bodyPr/>
@@ -1141,6 +965,9 @@
         <a:lstStyle/>
         <a:p>
           <a:pPr>
+            <a:lnSpc>
+              <a:spcPct val="100000"/>
+            </a:lnSpc>
             <a:defRPr cap="all"/>
           </a:pPr>
           <a:r>
@@ -1181,11 +1008,14 @@
         <a:lstStyle/>
         <a:p>
           <a:pPr>
+            <a:lnSpc>
+              <a:spcPct val="100000"/>
+            </a:lnSpc>
             <a:defRPr cap="all"/>
           </a:pPr>
           <a:r>
             <a:rPr lang="de-DE" dirty="0"/>
-            <a:t>https://github.com/akb1154/REF-D-BG-13N </a:t>
+            <a:t>https://github.com/akb1154/REF-D-CG-6N </a:t>
           </a:r>
           <a:endParaRPr lang="en-US" dirty="0"/>
         </a:p>
@@ -1248,9 +1078,6 @@
             <a:fillRect/>
           </a:stretch>
         </a:blipFill>
-        <a:ln>
-          <a:noFill/>
-        </a:ln>
       </dgm:spPr>
       <dgm:extLst>
         <a:ext uri="{E40237B7-FDA0-4F09-8148-C483321AD2D9}">
@@ -1297,17 +1124,15 @@
               </a:ext>
             </a:extLst>
           </a:blip>
+          <a:srcRect/>
           <a:stretch>
             <a:fillRect/>
           </a:stretch>
         </a:blipFill>
-        <a:ln>
-          <a:noFill/>
-        </a:ln>
       </dgm:spPr>
       <dgm:extLst>
         <a:ext uri="{E40237B7-FDA0-4F09-8148-C483321AD2D9}">
-          <dgm14:cNvPr xmlns:dgm14="http://schemas.microsoft.com/office/drawing/2010/diagram" id="0" name="" descr="Binoculars"/>
+          <dgm14:cNvPr xmlns:dgm14="http://schemas.microsoft.com/office/drawing/2010/diagram" id="0" name="" descr="Download from cloud with solid fill"/>
         </a:ext>
       </dgm:extLst>
     </dgm:pt>
@@ -1326,22 +1151,22 @@
     </dgm:pt>
   </dgm:ptLst>
   <dgm:cxnLst>
+    <dgm:cxn modelId="{5E9D9B39-5BEA-4EF9-97E0-A2C7B83EE3FC}" type="presOf" srcId="{29D1E7DE-541F-428C-83F2-C42FEF1BAC0C}" destId="{EA5181D8-F1D6-4876-90E9-54EDBC52F87B}" srcOrd="0" destOrd="0" presId="urn:microsoft.com/office/officeart/2018/5/layout/IconCircleLabelList"/>
     <dgm:cxn modelId="{D4979F49-A2B3-4FF5-AF46-347E8619EBE6}" srcId="{29D1E7DE-541F-428C-83F2-C42FEF1BAC0C}" destId="{9CA0B778-E1EE-4578-ADB7-BFEEEA5A6AAF}" srcOrd="0" destOrd="0" parTransId="{85E3085D-E4BB-4AD9-96BE-317507886DD5}" sibTransId="{189612E6-D1B4-4367-BFD0-4DCDEE8FCA3B}"/>
-    <dgm:cxn modelId="{821A5D7D-A10F-43F9-AADC-FDBB990BE04A}" type="presOf" srcId="{29D1E7DE-541F-428C-83F2-C42FEF1BAC0C}" destId="{EA5181D8-F1D6-4876-90E9-54EDBC52F87B}" srcOrd="0" destOrd="0" presId="urn:microsoft.com/office/officeart/2018/5/layout/IconCircleLabelList"/>
-    <dgm:cxn modelId="{83B636B2-B09A-43EF-8C3C-0A5A3ADCCAC1}" type="presOf" srcId="{3EE7197D-3639-4D35-89EE-2108E360CE82}" destId="{84A73325-C959-4F91-BA83-39F98C77A405}" srcOrd="0" destOrd="0" presId="urn:microsoft.com/office/officeart/2018/5/layout/IconCircleLabelList"/>
-    <dgm:cxn modelId="{A84C42EA-0ED6-4CD1-B694-D4A14C1BDD7E}" type="presOf" srcId="{9CA0B778-E1EE-4578-ADB7-BFEEEA5A6AAF}" destId="{B5456BEC-B62A-454F-BAAB-18DF592B1839}" srcOrd="0" destOrd="0" presId="urn:microsoft.com/office/officeart/2018/5/layout/IconCircleLabelList"/>
+    <dgm:cxn modelId="{BD402A4F-70DD-41BD-B3C0-A8DA91C5DBEF}" type="presOf" srcId="{9CA0B778-E1EE-4578-ADB7-BFEEEA5A6AAF}" destId="{B5456BEC-B62A-454F-BAAB-18DF592B1839}" srcOrd="0" destOrd="0" presId="urn:microsoft.com/office/officeart/2018/5/layout/IconCircleLabelList"/>
+    <dgm:cxn modelId="{989CCD7C-3253-4EBF-A861-7A21DAA83E37}" type="presOf" srcId="{3EE7197D-3639-4D35-89EE-2108E360CE82}" destId="{84A73325-C959-4F91-BA83-39F98C77A405}" srcOrd="0" destOrd="0" presId="urn:microsoft.com/office/officeart/2018/5/layout/IconCircleLabelList"/>
     <dgm:cxn modelId="{405AE9F1-001D-45B7-B267-858D006F6ED3}" srcId="{29D1E7DE-541F-428C-83F2-C42FEF1BAC0C}" destId="{3EE7197D-3639-4D35-89EE-2108E360CE82}" srcOrd="1" destOrd="0" parTransId="{9E097B62-8F00-4318-A52E-A1F5981BF8A3}" sibTransId="{B058132D-7DED-4D8C-AA3B-F9A7F7652F5A}"/>
-    <dgm:cxn modelId="{B90DE21D-3539-41E3-AE4E-0AEC0044028B}" type="presParOf" srcId="{EA5181D8-F1D6-4876-90E9-54EDBC52F87B}" destId="{43460C31-6DFF-408C-90DC-7A2F8AB4B989}" srcOrd="0" destOrd="0" presId="urn:microsoft.com/office/officeart/2018/5/layout/IconCircleLabelList"/>
-    <dgm:cxn modelId="{4DB4E5FF-6605-4343-B028-02B756BFDB3D}" type="presParOf" srcId="{43460C31-6DFF-408C-90DC-7A2F8AB4B989}" destId="{BE02821F-2C24-4A77-8AD3-B48E1D112EF1}" srcOrd="0" destOrd="0" presId="urn:microsoft.com/office/officeart/2018/5/layout/IconCircleLabelList"/>
-    <dgm:cxn modelId="{57799DC4-C2FC-401F-9584-24196331F68B}" type="presParOf" srcId="{43460C31-6DFF-408C-90DC-7A2F8AB4B989}" destId="{08B1CB1F-4C01-435D-85D8-7715B989A153}" srcOrd="1" destOrd="0" presId="urn:microsoft.com/office/officeart/2018/5/layout/IconCircleLabelList"/>
-    <dgm:cxn modelId="{CAA86D30-61A8-456A-B3D7-AAB8427FBACB}" type="presParOf" srcId="{43460C31-6DFF-408C-90DC-7A2F8AB4B989}" destId="{3F244FCD-92DA-4B3C-8527-121478F0710B}" srcOrd="2" destOrd="0" presId="urn:microsoft.com/office/officeart/2018/5/layout/IconCircleLabelList"/>
-    <dgm:cxn modelId="{1927610E-6AEB-47F9-88CC-2F15656C9DCD}" type="presParOf" srcId="{43460C31-6DFF-408C-90DC-7A2F8AB4B989}" destId="{B5456BEC-B62A-454F-BAAB-18DF592B1839}" srcOrd="3" destOrd="0" presId="urn:microsoft.com/office/officeart/2018/5/layout/IconCircleLabelList"/>
-    <dgm:cxn modelId="{024EEF97-C4CA-445A-96EB-62AE440CF93C}" type="presParOf" srcId="{EA5181D8-F1D6-4876-90E9-54EDBC52F87B}" destId="{41484B00-414D-4044-B4DE-1914B48B83C5}" srcOrd="1" destOrd="0" presId="urn:microsoft.com/office/officeart/2018/5/layout/IconCircleLabelList"/>
-    <dgm:cxn modelId="{49D78C02-DDB7-45A1-9398-30C2BB8D465F}" type="presParOf" srcId="{EA5181D8-F1D6-4876-90E9-54EDBC52F87B}" destId="{0E18D2E1-3916-4C99-A826-BF50E6411BA8}" srcOrd="2" destOrd="0" presId="urn:microsoft.com/office/officeart/2018/5/layout/IconCircleLabelList"/>
-    <dgm:cxn modelId="{B41046E5-04D1-456D-955E-A29ED9CEF47E}" type="presParOf" srcId="{0E18D2E1-3916-4C99-A826-BF50E6411BA8}" destId="{EC4BD21A-8F00-4ACA-A998-34E88B688F2A}" srcOrd="0" destOrd="0" presId="urn:microsoft.com/office/officeart/2018/5/layout/IconCircleLabelList"/>
-    <dgm:cxn modelId="{6170AF3C-76A4-4609-9F05-EC3B2350C43A}" type="presParOf" srcId="{0E18D2E1-3916-4C99-A826-BF50E6411BA8}" destId="{C8DBF9BB-EF8B-4450-8B6E-D862DC18BA2D}" srcOrd="1" destOrd="0" presId="urn:microsoft.com/office/officeart/2018/5/layout/IconCircleLabelList"/>
-    <dgm:cxn modelId="{C69CD640-3242-4A69-B6E3-D5BEF20347D8}" type="presParOf" srcId="{0E18D2E1-3916-4C99-A826-BF50E6411BA8}" destId="{8CA6437E-AB91-4AA7-8307-F8DCD296BD6F}" srcOrd="2" destOrd="0" presId="urn:microsoft.com/office/officeart/2018/5/layout/IconCircleLabelList"/>
-    <dgm:cxn modelId="{7D8F43F6-F870-4113-87FD-73ADCD160D93}" type="presParOf" srcId="{0E18D2E1-3916-4C99-A826-BF50E6411BA8}" destId="{84A73325-C959-4F91-BA83-39F98C77A405}" srcOrd="3" destOrd="0" presId="urn:microsoft.com/office/officeart/2018/5/layout/IconCircleLabelList"/>
+    <dgm:cxn modelId="{A0229AB2-E016-44F1-B4F9-D509167A5CDB}" type="presParOf" srcId="{EA5181D8-F1D6-4876-90E9-54EDBC52F87B}" destId="{43460C31-6DFF-408C-90DC-7A2F8AB4B989}" srcOrd="0" destOrd="0" presId="urn:microsoft.com/office/officeart/2018/5/layout/IconCircleLabelList"/>
+    <dgm:cxn modelId="{6F425DDE-4214-43E8-A4BE-CEA909C18B9D}" type="presParOf" srcId="{43460C31-6DFF-408C-90DC-7A2F8AB4B989}" destId="{BE02821F-2C24-4A77-8AD3-B48E1D112EF1}" srcOrd="0" destOrd="0" presId="urn:microsoft.com/office/officeart/2018/5/layout/IconCircleLabelList"/>
+    <dgm:cxn modelId="{D55C8BE5-27B5-4001-BCED-FF4E3366814F}" type="presParOf" srcId="{43460C31-6DFF-408C-90DC-7A2F8AB4B989}" destId="{08B1CB1F-4C01-435D-85D8-7715B989A153}" srcOrd="1" destOrd="0" presId="urn:microsoft.com/office/officeart/2018/5/layout/IconCircleLabelList"/>
+    <dgm:cxn modelId="{32EE2696-0470-4C88-9FDF-8910FB8892AF}" type="presParOf" srcId="{43460C31-6DFF-408C-90DC-7A2F8AB4B989}" destId="{3F244FCD-92DA-4B3C-8527-121478F0710B}" srcOrd="2" destOrd="0" presId="urn:microsoft.com/office/officeart/2018/5/layout/IconCircleLabelList"/>
+    <dgm:cxn modelId="{3A6BC942-A1F1-4AD8-9BE9-F36E92F63083}" type="presParOf" srcId="{43460C31-6DFF-408C-90DC-7A2F8AB4B989}" destId="{B5456BEC-B62A-454F-BAAB-18DF592B1839}" srcOrd="3" destOrd="0" presId="urn:microsoft.com/office/officeart/2018/5/layout/IconCircleLabelList"/>
+    <dgm:cxn modelId="{14C2FF5A-C637-403E-8562-1FA54C1A4A3F}" type="presParOf" srcId="{EA5181D8-F1D6-4876-90E9-54EDBC52F87B}" destId="{41484B00-414D-4044-B4DE-1914B48B83C5}" srcOrd="1" destOrd="0" presId="urn:microsoft.com/office/officeart/2018/5/layout/IconCircleLabelList"/>
+    <dgm:cxn modelId="{92EE870D-CA5D-49CE-8F9A-1C761457A1CC}" type="presParOf" srcId="{EA5181D8-F1D6-4876-90E9-54EDBC52F87B}" destId="{0E18D2E1-3916-4C99-A826-BF50E6411BA8}" srcOrd="2" destOrd="0" presId="urn:microsoft.com/office/officeart/2018/5/layout/IconCircleLabelList"/>
+    <dgm:cxn modelId="{BAC0B331-CC7F-4F60-AB7D-4E7E2F3C668D}" type="presParOf" srcId="{0E18D2E1-3916-4C99-A826-BF50E6411BA8}" destId="{EC4BD21A-8F00-4ACA-A998-34E88B688F2A}" srcOrd="0" destOrd="0" presId="urn:microsoft.com/office/officeart/2018/5/layout/IconCircleLabelList"/>
+    <dgm:cxn modelId="{3CD1E3B9-8085-48BB-8E6B-F6842B8CC451}" type="presParOf" srcId="{0E18D2E1-3916-4C99-A826-BF50E6411BA8}" destId="{C8DBF9BB-EF8B-4450-8B6E-D862DC18BA2D}" srcOrd="1" destOrd="0" presId="urn:microsoft.com/office/officeart/2018/5/layout/IconCircleLabelList"/>
+    <dgm:cxn modelId="{047E4DD3-214C-4F89-B885-8B4F6F59C250}" type="presParOf" srcId="{0E18D2E1-3916-4C99-A826-BF50E6411BA8}" destId="{8CA6437E-AB91-4AA7-8307-F8DCD296BD6F}" srcOrd="2" destOrd="0" presId="urn:microsoft.com/office/officeart/2018/5/layout/IconCircleLabelList"/>
+    <dgm:cxn modelId="{6C2964DF-5814-4458-A248-F75001BF4FF3}" type="presParOf" srcId="{0E18D2E1-3916-4C99-A826-BF50E6411BA8}" destId="{84A73325-C959-4F91-BA83-39F98C77A405}" srcOrd="3" destOrd="0" presId="urn:microsoft.com/office/officeart/2018/5/layout/IconCircleLabelList"/>
   </dgm:cxnLst>
   <dgm:bg/>
   <dgm:whole/>
@@ -1375,7 +1200,8 @@
           <a:avLst/>
         </a:prstGeom>
         <a:solidFill>
-          <a:schemeClr val="accent2">
+          <a:schemeClr val="accent4">
+            <a:tint val="40000"/>
             <a:hueOff val="0"/>
             <a:satOff val="0"/>
             <a:lumOff val="0"/>
@@ -1394,7 +1220,7 @@
         <a:fillRef idx="1">
           <a:scrgbClr r="0" g="0" b="0"/>
         </a:fillRef>
-        <a:effectRef idx="0">
+        <a:effectRef idx="2">
           <a:scrgbClr r="0" g="0" b="0"/>
         </a:effectRef>
         <a:fontRef idx="minor"/>
@@ -1428,20 +1254,25 @@
             <a:fillRect/>
           </a:stretch>
         </a:blipFill>
-        <a:ln w="12700" cap="flat" cmpd="sng" algn="ctr">
+        <a:ln>
           <a:noFill/>
-          <a:prstDash val="solid"/>
         </a:ln>
-        <a:effectLst/>
+        <a:effectLst>
+          <a:outerShdw blurRad="57150" dist="19050" dir="5400000" algn="ctr" rotWithShape="0">
+            <a:srgbClr val="000000">
+              <a:alpha val="63000"/>
+            </a:srgbClr>
+          </a:outerShdw>
+        </a:effectLst>
       </dsp:spPr>
       <dsp:style>
-        <a:lnRef idx="2">
+        <a:lnRef idx="0">
           <a:scrgbClr r="0" g="0" b="0"/>
         </a:lnRef>
-        <a:fillRef idx="1">
+        <a:fillRef idx="3">
           <a:scrgbClr r="0" g="0" b="0"/>
         </a:fillRef>
-        <a:effectRef idx="0">
+        <a:effectRef idx="3">
           <a:scrgbClr r="0" g="0" b="0"/>
         </a:effectRef>
         <a:fontRef idx="minor">
@@ -1488,7 +1319,7 @@
         <a:p>
           <a:pPr marL="0" lvl="0" indent="0" algn="ctr" defTabSz="711200">
             <a:lnSpc>
-              <a:spcPct val="90000"/>
+              <a:spcPct val="100000"/>
             </a:lnSpc>
             <a:spcBef>
               <a:spcPct val="0"/>
@@ -1525,7 +1356,8 @@
           <a:avLst/>
         </a:prstGeom>
         <a:solidFill>
-          <a:schemeClr val="accent3">
+          <a:schemeClr val="accent4">
+            <a:tint val="40000"/>
             <a:hueOff val="0"/>
             <a:satOff val="0"/>
             <a:lumOff val="0"/>
@@ -1544,7 +1376,7 @@
         <a:fillRef idx="1">
           <a:scrgbClr r="0" g="0" b="0"/>
         </a:fillRef>
-        <a:effectRef idx="0">
+        <a:effectRef idx="2">
           <a:scrgbClr r="0" g="0" b="0"/>
         </a:effectRef>
         <a:fontRef idx="minor"/>
@@ -1574,24 +1406,30 @@
               </a:ext>
             </a:extLst>
           </a:blip>
+          <a:srcRect/>
           <a:stretch>
             <a:fillRect/>
           </a:stretch>
         </a:blipFill>
-        <a:ln w="12700" cap="flat" cmpd="sng" algn="ctr">
+        <a:ln>
           <a:noFill/>
-          <a:prstDash val="solid"/>
         </a:ln>
-        <a:effectLst/>
+        <a:effectLst>
+          <a:outerShdw blurRad="57150" dist="19050" dir="5400000" algn="ctr" rotWithShape="0">
+            <a:srgbClr val="000000">
+              <a:alpha val="63000"/>
+            </a:srgbClr>
+          </a:outerShdw>
+        </a:effectLst>
       </dsp:spPr>
       <dsp:style>
-        <a:lnRef idx="2">
+        <a:lnRef idx="0">
           <a:scrgbClr r="0" g="0" b="0"/>
         </a:lnRef>
-        <a:fillRef idx="1">
+        <a:fillRef idx="3">
           <a:scrgbClr r="0" g="0" b="0"/>
         </a:fillRef>
-        <a:effectRef idx="0">
+        <a:effectRef idx="3">
           <a:scrgbClr r="0" g="0" b="0"/>
         </a:effectRef>
         <a:fontRef idx="minor">
@@ -1638,7 +1476,7 @@
         <a:p>
           <a:pPr marL="0" lvl="0" indent="0" algn="ctr" defTabSz="711200">
             <a:lnSpc>
-              <a:spcPct val="90000"/>
+              <a:spcPct val="100000"/>
             </a:lnSpc>
             <a:spcBef>
               <a:spcPct val="0"/>
@@ -1651,7 +1489,7 @@
           </a:pPr>
           <a:r>
             <a:rPr lang="de-DE" sz="1600" kern="1200" dirty="0"/>
-            <a:t>https://github.com/akb1154/REF-D-BG-13N </a:t>
+            <a:t>https://github.com/akb1154/REF-D-CG-6N </a:t>
           </a:r>
           <a:endParaRPr lang="en-US" sz="1600" kern="1200" dirty="0"/>
         </a:p>
@@ -1881,11 +1719,11 @@
 </file>
 
 <file path=ppt/diagrams/quickStyle1.xml><?xml version="1.0" encoding="utf-8"?>
-<dgm:styleDef xmlns:dgm="http://schemas.openxmlformats.org/drawingml/2006/diagram" xmlns:a="http://schemas.openxmlformats.org/drawingml/2006/main" uniqueId="urn:microsoft.com/office/officeart/2005/8/quickstyle/simple1">
+<dgm:styleDef xmlns:dgm="http://schemas.openxmlformats.org/drawingml/2006/diagram" xmlns:a="http://schemas.openxmlformats.org/drawingml/2006/main" uniqueId="urn:microsoft.com/office/officeart/2005/8/quickstyle/simple5">
   <dgm:title val=""/>
   <dgm:desc val=""/>
   <dgm:catLst>
-    <dgm:cat type="simple" pri="10100"/>
+    <dgm:cat type="simple" pri="10500"/>
   </dgm:catLst>
   <dgm:scene3d>
     <a:camera prst="orthographicFront"/>
@@ -1899,13 +1737,13 @@
     <dgm:sp3d/>
     <dgm:txPr/>
     <dgm:style>
-      <a:lnRef idx="2">
+      <a:lnRef idx="0">
         <a:scrgbClr r="0" g="0" b="0"/>
       </a:lnRef>
-      <a:fillRef idx="1">
+      <a:fillRef idx="3">
         <a:scrgbClr r="0" g="0" b="0"/>
       </a:fillRef>
-      <a:effectRef idx="0">
+      <a:effectRef idx="3">
         <a:scrgbClr r="0" g="0" b="0"/>
       </a:effectRef>
       <a:fontRef idx="minor">
@@ -1921,13 +1759,13 @@
     <dgm:sp3d/>
     <dgm:txPr/>
     <dgm:style>
-      <a:lnRef idx="2">
+      <a:lnRef idx="0">
         <a:scrgbClr r="0" g="0" b="0"/>
       </a:lnRef>
-      <a:fillRef idx="1">
+      <a:fillRef idx="3">
         <a:scrgbClr r="0" g="0" b="0"/>
       </a:fillRef>
-      <a:effectRef idx="0">
+      <a:effectRef idx="3">
         <a:scrgbClr r="0" g="0" b="0"/>
       </a:effectRef>
       <a:fontRef idx="minor">
@@ -1943,13 +1781,13 @@
     <dgm:sp3d/>
     <dgm:txPr/>
     <dgm:style>
-      <a:lnRef idx="2">
+      <a:lnRef idx="0">
         <a:scrgbClr r="0" g="0" b="0"/>
       </a:lnRef>
-      <a:fillRef idx="1">
+      <a:fillRef idx="3">
         <a:scrgbClr r="0" g="0" b="0"/>
       </a:fillRef>
-      <a:effectRef idx="0">
+      <a:effectRef idx="3">
         <a:scrgbClr r="0" g="0" b="0"/>
       </a:effectRef>
       <a:fontRef idx="minor">
@@ -1965,13 +1803,13 @@
     <dgm:sp3d/>
     <dgm:txPr/>
     <dgm:style>
-      <a:lnRef idx="2">
+      <a:lnRef idx="1">
         <a:scrgbClr r="0" g="0" b="0"/>
       </a:lnRef>
-      <a:fillRef idx="1">
+      <a:fillRef idx="3">
         <a:scrgbClr r="0" g="0" b="0"/>
       </a:fillRef>
-      <a:effectRef idx="0">
+      <a:effectRef idx="3">
         <a:scrgbClr r="0" g="0" b="0"/>
       </a:effectRef>
       <a:fontRef idx="minor">
@@ -1987,13 +1825,13 @@
     <dgm:sp3d/>
     <dgm:txPr/>
     <dgm:style>
-      <a:lnRef idx="2">
+      <a:lnRef idx="0">
         <a:scrgbClr r="0" g="0" b="0"/>
       </a:lnRef>
-      <a:fillRef idx="1">
+      <a:fillRef idx="3">
         <a:scrgbClr r="0" g="0" b="0"/>
       </a:fillRef>
-      <a:effectRef idx="0">
+      <a:effectRef idx="3">
         <a:scrgbClr r="0" g="0" b="0"/>
       </a:effectRef>
       <a:fontRef idx="minor">
@@ -2009,13 +1847,13 @@
     <dgm:sp3d/>
     <dgm:txPr/>
     <dgm:style>
-      <a:lnRef idx="2">
+      <a:lnRef idx="0">
         <a:scrgbClr r="0" g="0" b="0"/>
       </a:lnRef>
-      <a:fillRef idx="1">
+      <a:fillRef idx="3">
         <a:scrgbClr r="0" g="0" b="0"/>
       </a:fillRef>
-      <a:effectRef idx="0">
+      <a:effectRef idx="3">
         <a:scrgbClr r="0" g="0" b="0"/>
       </a:effectRef>
       <a:fontRef idx="minor">
@@ -2031,13 +1869,13 @@
     <dgm:sp3d/>
     <dgm:txPr/>
     <dgm:style>
-      <a:lnRef idx="2">
+      <a:lnRef idx="0">
         <a:scrgbClr r="0" g="0" b="0"/>
       </a:lnRef>
-      <a:fillRef idx="1">
+      <a:fillRef idx="3">
         <a:scrgbClr r="0" g="0" b="0"/>
       </a:fillRef>
-      <a:effectRef idx="0">
+      <a:effectRef idx="3">
         <a:scrgbClr r="0" g="0" b="0"/>
       </a:effectRef>
       <a:fontRef idx="minor">
@@ -2053,13 +1891,13 @@
     <dgm:sp3d/>
     <dgm:txPr/>
     <dgm:style>
-      <a:lnRef idx="2">
+      <a:lnRef idx="0">
         <a:scrgbClr r="0" g="0" b="0"/>
       </a:lnRef>
-      <a:fillRef idx="1">
+      <a:fillRef idx="3">
         <a:scrgbClr r="0" g="0" b="0"/>
       </a:fillRef>
-      <a:effectRef idx="0">
+      <a:effectRef idx="3">
         <a:scrgbClr r="0" g="0" b="0"/>
       </a:effectRef>
       <a:fontRef idx="minor">
@@ -2075,13 +1913,13 @@
     <dgm:sp3d/>
     <dgm:txPr/>
     <dgm:style>
-      <a:lnRef idx="2">
+      <a:lnRef idx="0">
         <a:scrgbClr r="0" g="0" b="0"/>
       </a:lnRef>
       <a:fillRef idx="1">
         <a:scrgbClr r="0" g="0" b="0"/>
       </a:fillRef>
-      <a:effectRef idx="0">
+      <a:effectRef idx="3">
         <a:scrgbClr r="0" g="0" b="0"/>
       </a:effectRef>
       <a:fontRef idx="minor"/>
@@ -2095,13 +1933,13 @@
     <dgm:sp3d/>
     <dgm:txPr/>
     <dgm:style>
-      <a:lnRef idx="2">
+      <a:lnRef idx="0">
         <a:scrgbClr r="0" g="0" b="0"/>
       </a:lnRef>
       <a:fillRef idx="1">
         <a:scrgbClr r="0" g="0" b="0"/>
       </a:fillRef>
-      <a:effectRef idx="0">
+      <a:effectRef idx="3">
         <a:scrgbClr r="0" g="0" b="0"/>
       </a:effectRef>
       <a:fontRef idx="minor"/>
@@ -2115,13 +1953,13 @@
     <dgm:sp3d/>
     <dgm:txPr/>
     <dgm:style>
-      <a:lnRef idx="2">
+      <a:lnRef idx="0">
         <a:scrgbClr r="0" g="0" b="0"/>
       </a:lnRef>
       <a:fillRef idx="1">
         <a:scrgbClr r="0" g="0" b="0"/>
       </a:fillRef>
-      <a:effectRef idx="0">
+      <a:effectRef idx="3">
         <a:scrgbClr r="0" g="0" b="0"/>
       </a:effectRef>
       <a:fontRef idx="minor"/>
@@ -2138,10 +1976,10 @@
       <a:lnRef idx="0">
         <a:scrgbClr r="0" g="0" b="0"/>
       </a:lnRef>
-      <a:fillRef idx="1">
+      <a:fillRef idx="3">
         <a:scrgbClr r="0" g="0" b="0"/>
       </a:fillRef>
-      <a:effectRef idx="0">
+      <a:effectRef idx="3">
         <a:scrgbClr r="0" g="0" b="0"/>
       </a:effectRef>
       <a:fontRef idx="minor">
@@ -2160,10 +1998,10 @@
       <a:lnRef idx="0">
         <a:scrgbClr r="0" g="0" b="0"/>
       </a:lnRef>
-      <a:fillRef idx="1">
+      <a:fillRef idx="3">
         <a:scrgbClr r="0" g="0" b="0"/>
       </a:fillRef>
-      <a:effectRef idx="0">
+      <a:effectRef idx="3">
         <a:scrgbClr r="0" g="0" b="0"/>
       </a:effectRef>
       <a:fontRef idx="minor">
@@ -2182,10 +2020,10 @@
       <a:lnRef idx="0">
         <a:scrgbClr r="0" g="0" b="0"/>
       </a:lnRef>
-      <a:fillRef idx="1">
+      <a:fillRef idx="3">
         <a:scrgbClr r="0" g="0" b="0"/>
       </a:fillRef>
-      <a:effectRef idx="0">
+      <a:effectRef idx="3">
         <a:scrgbClr r="0" g="0" b="0"/>
       </a:effectRef>
       <a:fontRef idx="minor">
@@ -2221,13 +2059,13 @@
     <dgm:sp3d/>
     <dgm:txPr/>
     <dgm:style>
-      <a:lnRef idx="2">
+      <a:lnRef idx="1">
         <a:scrgbClr r="0" g="0" b="0"/>
       </a:lnRef>
-      <a:fillRef idx="1">
+      <a:fillRef idx="0">
         <a:scrgbClr r="0" g="0" b="0"/>
       </a:fillRef>
-      <a:effectRef idx="0">
+      <a:effectRef idx="1">
         <a:scrgbClr r="0" g="0" b="0"/>
       </a:effectRef>
       <a:fontRef idx="minor"/>
@@ -2241,13 +2079,13 @@
     <dgm:sp3d/>
     <dgm:txPr/>
     <dgm:style>
-      <a:lnRef idx="2">
+      <a:lnRef idx="0">
         <a:scrgbClr r="0" g="0" b="0"/>
       </a:lnRef>
-      <a:fillRef idx="1">
+      <a:fillRef idx="3">
         <a:scrgbClr r="0" g="0" b="0"/>
       </a:fillRef>
-      <a:effectRef idx="0">
+      <a:effectRef idx="3">
         <a:scrgbClr r="0" g="0" b="0"/>
       </a:effectRef>
       <a:fontRef idx="minor">
@@ -2263,13 +2101,13 @@
     <dgm:sp3d/>
     <dgm:txPr/>
     <dgm:style>
-      <a:lnRef idx="2">
+      <a:lnRef idx="0">
         <a:scrgbClr r="0" g="0" b="0"/>
       </a:lnRef>
-      <a:fillRef idx="1">
+      <a:fillRef idx="3">
         <a:scrgbClr r="0" g="0" b="0"/>
       </a:fillRef>
-      <a:effectRef idx="0">
+      <a:effectRef idx="3">
         <a:scrgbClr r="0" g="0" b="0"/>
       </a:effectRef>
       <a:fontRef idx="minor">
@@ -2285,13 +2123,13 @@
     <dgm:sp3d/>
     <dgm:txPr/>
     <dgm:style>
-      <a:lnRef idx="2">
+      <a:lnRef idx="0">
         <a:scrgbClr r="0" g="0" b="0"/>
       </a:lnRef>
-      <a:fillRef idx="1">
+      <a:fillRef idx="3">
         <a:scrgbClr r="0" g="0" b="0"/>
       </a:fillRef>
-      <a:effectRef idx="0">
+      <a:effectRef idx="3">
         <a:scrgbClr r="0" g="0" b="0"/>
       </a:effectRef>
       <a:fontRef idx="minor">
@@ -2307,13 +2145,13 @@
     <dgm:sp3d/>
     <dgm:txPr/>
     <dgm:style>
-      <a:lnRef idx="2">
+      <a:lnRef idx="0">
         <a:scrgbClr r="0" g="0" b="0"/>
       </a:lnRef>
-      <a:fillRef idx="1">
+      <a:fillRef idx="3">
         <a:scrgbClr r="0" g="0" b="0"/>
       </a:fillRef>
-      <a:effectRef idx="0">
+      <a:effectRef idx="3">
         <a:scrgbClr r="0" g="0" b="0"/>
       </a:effectRef>
       <a:fontRef idx="minor">
@@ -2329,13 +2167,13 @@
     <dgm:sp3d/>
     <dgm:txPr/>
     <dgm:style>
-      <a:lnRef idx="2">
+      <a:lnRef idx="0">
         <a:scrgbClr r="0" g="0" b="0"/>
       </a:lnRef>
-      <a:fillRef idx="1">
+      <a:fillRef idx="3">
         <a:scrgbClr r="0" g="0" b="0"/>
       </a:fillRef>
-      <a:effectRef idx="0">
+      <a:effectRef idx="3">
         <a:scrgbClr r="0" g="0" b="0"/>
       </a:effectRef>
       <a:fontRef idx="minor">
@@ -2351,13 +2189,13 @@
     <dgm:sp3d/>
     <dgm:txPr/>
     <dgm:style>
-      <a:lnRef idx="2">
+      <a:lnRef idx="0">
         <a:scrgbClr r="0" g="0" b="0"/>
       </a:lnRef>
-      <a:fillRef idx="1">
+      <a:fillRef idx="3">
         <a:scrgbClr r="0" g="0" b="0"/>
       </a:fillRef>
-      <a:effectRef idx="0">
+      <a:effectRef idx="3">
         <a:scrgbClr r="0" g="0" b="0"/>
       </a:effectRef>
       <a:fontRef idx="minor">
@@ -2373,13 +2211,13 @@
     <dgm:sp3d/>
     <dgm:txPr/>
     <dgm:style>
-      <a:lnRef idx="2">
+      <a:lnRef idx="0">
         <a:scrgbClr r="0" g="0" b="0"/>
       </a:lnRef>
-      <a:fillRef idx="1">
+      <a:fillRef idx="3">
         <a:scrgbClr r="0" g="0" b="0"/>
       </a:fillRef>
-      <a:effectRef idx="0">
+      <a:effectRef idx="3">
         <a:scrgbClr r="0" g="0" b="0"/>
       </a:effectRef>
       <a:fontRef idx="minor">
@@ -2395,13 +2233,13 @@
     <dgm:sp3d/>
     <dgm:txPr/>
     <dgm:style>
-      <a:lnRef idx="2">
+      <a:lnRef idx="0">
         <a:scrgbClr r="0" g="0" b="0"/>
       </a:lnRef>
-      <a:fillRef idx="1">
+      <a:fillRef idx="3">
         <a:scrgbClr r="0" g="0" b="0"/>
       </a:fillRef>
-      <a:effectRef idx="0">
+      <a:effectRef idx="3">
         <a:scrgbClr r="0" g="0" b="0"/>
       </a:effectRef>
       <a:fontRef idx="minor">
@@ -2417,13 +2255,13 @@
     <dgm:sp3d/>
     <dgm:txPr/>
     <dgm:style>
-      <a:lnRef idx="2">
+      <a:lnRef idx="0">
         <a:scrgbClr r="0" g="0" b="0"/>
       </a:lnRef>
-      <a:fillRef idx="1">
+      <a:fillRef idx="3">
         <a:scrgbClr r="0" g="0" b="0"/>
       </a:fillRef>
-      <a:effectRef idx="0">
+      <a:effectRef idx="3">
         <a:scrgbClr r="0" g="0" b="0"/>
       </a:effectRef>
       <a:fontRef idx="minor">
@@ -2519,13 +2357,13 @@
     <dgm:sp3d/>
     <dgm:txPr/>
     <dgm:style>
-      <a:lnRef idx="2">
+      <a:lnRef idx="1">
         <a:scrgbClr r="0" g="0" b="0"/>
       </a:lnRef>
       <a:fillRef idx="1">
         <a:scrgbClr r="0" g="0" b="0"/>
       </a:fillRef>
-      <a:effectRef idx="0">
+      <a:effectRef idx="2">
         <a:scrgbClr r="0" g="0" b="0"/>
       </a:effectRef>
       <a:fontRef idx="minor"/>
@@ -2539,13 +2377,13 @@
     <dgm:sp3d/>
     <dgm:txPr/>
     <dgm:style>
-      <a:lnRef idx="2">
+      <a:lnRef idx="1">
         <a:scrgbClr r="0" g="0" b="0"/>
       </a:lnRef>
       <a:fillRef idx="1">
         <a:scrgbClr r="0" g="0" b="0"/>
       </a:fillRef>
-      <a:effectRef idx="0">
+      <a:effectRef idx="2">
         <a:scrgbClr r="0" g="0" b="0"/>
       </a:effectRef>
       <a:fontRef idx="minor"/>
@@ -2559,13 +2397,13 @@
     <dgm:sp3d/>
     <dgm:txPr/>
     <dgm:style>
-      <a:lnRef idx="2">
+      <a:lnRef idx="1">
         <a:scrgbClr r="0" g="0" b="0"/>
       </a:lnRef>
       <a:fillRef idx="1">
         <a:scrgbClr r="0" g="0" b="0"/>
       </a:fillRef>
-      <a:effectRef idx="0">
+      <a:effectRef idx="2">
         <a:scrgbClr r="0" g="0" b="0"/>
       </a:effectRef>
       <a:fontRef idx="minor"/>
@@ -2599,13 +2437,13 @@
     <dgm:sp3d/>
     <dgm:txPr/>
     <dgm:style>
-      <a:lnRef idx="2">
+      <a:lnRef idx="1">
         <a:scrgbClr r="0" g="0" b="0"/>
       </a:lnRef>
       <a:fillRef idx="1">
         <a:scrgbClr r="0" g="0" b="0"/>
       </a:fillRef>
-      <a:effectRef idx="0">
+      <a:effectRef idx="2">
         <a:scrgbClr r="0" g="0" b="0"/>
       </a:effectRef>
       <a:fontRef idx="minor"/>
@@ -2619,13 +2457,13 @@
     <dgm:sp3d/>
     <dgm:txPr/>
     <dgm:style>
-      <a:lnRef idx="2">
+      <a:lnRef idx="1">
         <a:scrgbClr r="0" g="0" b="0"/>
       </a:lnRef>
       <a:fillRef idx="1">
         <a:scrgbClr r="0" g="0" b="0"/>
       </a:fillRef>
-      <a:effectRef idx="0">
+      <a:effectRef idx="2">
         <a:scrgbClr r="0" g="0" b="0"/>
       </a:effectRef>
       <a:fontRef idx="minor"/>
@@ -2639,13 +2477,13 @@
     <dgm:sp3d/>
     <dgm:txPr/>
     <dgm:style>
-      <a:lnRef idx="2">
+      <a:lnRef idx="1">
         <a:scrgbClr r="0" g="0" b="0"/>
       </a:lnRef>
       <a:fillRef idx="1">
         <a:scrgbClr r="0" g="0" b="0"/>
       </a:fillRef>
-      <a:effectRef idx="0">
+      <a:effectRef idx="3">
         <a:scrgbClr r="0" g="0" b="0"/>
       </a:effectRef>
       <a:fontRef idx="minor"/>
@@ -2659,13 +2497,13 @@
     <dgm:sp3d/>
     <dgm:txPr/>
     <dgm:style>
-      <a:lnRef idx="2">
+      <a:lnRef idx="1">
         <a:scrgbClr r="0" g="0" b="0"/>
       </a:lnRef>
       <a:fillRef idx="1">
         <a:scrgbClr r="0" g="0" b="0"/>
       </a:fillRef>
-      <a:effectRef idx="0">
+      <a:effectRef idx="3">
         <a:scrgbClr r="0" g="0" b="0"/>
       </a:effectRef>
       <a:fontRef idx="minor"/>
@@ -2679,13 +2517,13 @@
     <dgm:sp3d/>
     <dgm:txPr/>
     <dgm:style>
-      <a:lnRef idx="2">
+      <a:lnRef idx="1">
         <a:scrgbClr r="0" g="0" b="0"/>
       </a:lnRef>
       <a:fillRef idx="1">
         <a:scrgbClr r="0" g="0" b="0"/>
       </a:fillRef>
-      <a:effectRef idx="0">
+      <a:effectRef idx="2">
         <a:scrgbClr r="0" g="0" b="0"/>
       </a:effectRef>
       <a:fontRef idx="minor"/>
@@ -2699,13 +2537,13 @@
     <dgm:sp3d/>
     <dgm:txPr/>
     <dgm:style>
-      <a:lnRef idx="2">
+      <a:lnRef idx="1">
         <a:scrgbClr r="0" g="0" b="0"/>
       </a:lnRef>
       <a:fillRef idx="1">
         <a:scrgbClr r="0" g="0" b="0"/>
       </a:fillRef>
-      <a:effectRef idx="0">
+      <a:effectRef idx="2">
         <a:scrgbClr r="0" g="0" b="0"/>
       </a:effectRef>
       <a:fontRef idx="minor"/>
@@ -2719,13 +2557,13 @@
     <dgm:sp3d/>
     <dgm:txPr/>
     <dgm:style>
-      <a:lnRef idx="2">
+      <a:lnRef idx="1">
         <a:scrgbClr r="0" g="0" b="0"/>
       </a:lnRef>
       <a:fillRef idx="1">
         <a:scrgbClr r="0" g="0" b="0"/>
       </a:fillRef>
-      <a:effectRef idx="0">
+      <a:effectRef idx="2">
         <a:scrgbClr r="0" g="0" b="0"/>
       </a:effectRef>
       <a:fontRef idx="minor"/>
@@ -2739,13 +2577,13 @@
     <dgm:sp3d/>
     <dgm:txPr/>
     <dgm:style>
-      <a:lnRef idx="2">
+      <a:lnRef idx="1">
         <a:scrgbClr r="0" g="0" b="0"/>
       </a:lnRef>
       <a:fillRef idx="1">
         <a:scrgbClr r="0" g="0" b="0"/>
       </a:fillRef>
-      <a:effectRef idx="0">
+      <a:effectRef idx="2">
         <a:scrgbClr r="0" g="0" b="0"/>
       </a:effectRef>
       <a:fontRef idx="minor"/>
@@ -2759,13 +2597,13 @@
     <dgm:sp3d/>
     <dgm:txPr/>
     <dgm:style>
-      <a:lnRef idx="2">
+      <a:lnRef idx="1">
         <a:scrgbClr r="0" g="0" b="0"/>
       </a:lnRef>
       <a:fillRef idx="1">
         <a:scrgbClr r="0" g="0" b="0"/>
       </a:fillRef>
-      <a:effectRef idx="0">
+      <a:effectRef idx="2">
         <a:scrgbClr r="0" g="0" b="0"/>
       </a:effectRef>
       <a:fontRef idx="minor"/>
@@ -2779,13 +2617,13 @@
     <dgm:sp3d/>
     <dgm:txPr/>
     <dgm:style>
-      <a:lnRef idx="2">
+      <a:lnRef idx="1">
         <a:scrgbClr r="0" g="0" b="0"/>
       </a:lnRef>
       <a:fillRef idx="1">
         <a:scrgbClr r="0" g="0" b="0"/>
       </a:fillRef>
-      <a:effectRef idx="0">
+      <a:effectRef idx="2">
         <a:scrgbClr r="0" g="0" b="0"/>
       </a:effectRef>
       <a:fontRef idx="minor"/>
@@ -2799,13 +2637,13 @@
     <dgm:sp3d/>
     <dgm:txPr/>
     <dgm:style>
-      <a:lnRef idx="2">
+      <a:lnRef idx="1">
         <a:scrgbClr r="0" g="0" b="0"/>
       </a:lnRef>
       <a:fillRef idx="1">
         <a:scrgbClr r="0" g="0" b="0"/>
       </a:fillRef>
-      <a:effectRef idx="0">
+      <a:effectRef idx="2">
         <a:scrgbClr r="0" g="0" b="0"/>
       </a:effectRef>
       <a:fontRef idx="minor"/>
@@ -2825,7 +2663,7 @@
       <a:fillRef idx="1">
         <a:scrgbClr r="0" g="0" b="0"/>
       </a:fillRef>
-      <a:effectRef idx="0">
+      <a:effectRef idx="2">
         <a:scrgbClr r="0" g="0" b="0"/>
       </a:effectRef>
       <a:fontRef idx="minor"/>
@@ -2845,7 +2683,7 @@
       <a:fillRef idx="1">
         <a:scrgbClr r="0" g="0" b="0"/>
       </a:fillRef>
-      <a:effectRef idx="0">
+      <a:effectRef idx="3">
         <a:scrgbClr r="0" g="0" b="0"/>
       </a:effectRef>
       <a:fontRef idx="minor"/>
@@ -2879,13 +2717,13 @@
     <dgm:sp3d/>
     <dgm:txPr/>
     <dgm:style>
-      <a:lnRef idx="2">
+      <a:lnRef idx="0">
         <a:scrgbClr r="0" g="0" b="0"/>
       </a:lnRef>
-      <a:fillRef idx="1">
+      <a:fillRef idx="3">
         <a:scrgbClr r="0" g="0" b="0"/>
       </a:fillRef>
-      <a:effectRef idx="0">
+      <a:effectRef idx="3">
         <a:scrgbClr r="0" g="0" b="0"/>
       </a:effectRef>
       <a:fontRef idx="minor"/>
@@ -3188,7 +3026,7 @@
           <a:p>
             <a:fld id="{EA0C0817-A112-4847-8014-A94B7D2A4EA3}" type="datetime1">
               <a:rPr lang="en-US" smtClean="0"/>
-              <a:t>11/16/2021</a:t>
+              <a:t>12/5/2021</a:t>
             </a:fld>
             <a:endParaRPr lang="en-US" dirty="0"/>
           </a:p>
@@ -3601,7 +3439,7 @@
           <a:p>
             <a:fld id="{F6FA2B21-3FCD-4721-B95C-427943F61125}" type="datetime1">
               <a:rPr lang="en-US" smtClean="0"/>
-              <a:t>11/16/2021</a:t>
+              <a:t>12/5/2021</a:t>
             </a:fld>
             <a:endParaRPr lang="en-US" dirty="0"/>
           </a:p>
@@ -3938,7 +3776,7 @@
           <a:p>
             <a:fld id="{F6FA2B21-3FCD-4721-B95C-427943F61125}" type="datetime1">
               <a:rPr lang="en-US" smtClean="0"/>
-              <a:t>11/16/2021</a:t>
+              <a:t>12/5/2021</a:t>
             </a:fld>
             <a:endParaRPr lang="en-US" dirty="0"/>
           </a:p>
@@ -4344,7 +4182,7 @@
           <a:p>
             <a:fld id="{F6FA2B21-3FCD-4721-B95C-427943F61125}" type="datetime1">
               <a:rPr lang="en-US" smtClean="0"/>
-              <a:t>11/16/2021</a:t>
+              <a:t>12/5/2021</a:t>
             </a:fld>
             <a:endParaRPr lang="en-US" dirty="0"/>
           </a:p>
@@ -4913,7 +4751,7 @@
           <a:p>
             <a:fld id="{F6FA2B21-3FCD-4721-B95C-427943F61125}" type="datetime1">
               <a:rPr lang="en-US" smtClean="0"/>
-              <a:t>11/16/2021</a:t>
+              <a:t>12/5/2021</a:t>
             </a:fld>
             <a:endParaRPr lang="en-US" dirty="0"/>
           </a:p>
@@ -5595,7 +5433,7 @@
           <a:p>
             <a:fld id="{F6FA2B21-3FCD-4721-B95C-427943F61125}" type="datetime1">
               <a:rPr lang="en-US" smtClean="0"/>
-              <a:t>11/16/2021</a:t>
+              <a:t>12/5/2021</a:t>
             </a:fld>
             <a:endParaRPr lang="en-US" dirty="0"/>
           </a:p>
@@ -6506,7 +6344,7 @@
           <a:p>
             <a:fld id="{F6FA2B21-3FCD-4721-B95C-427943F61125}" type="datetime1">
               <a:rPr lang="en-US" smtClean="0"/>
-              <a:t>11/16/2021</a:t>
+              <a:t>12/5/2021</a:t>
             </a:fld>
             <a:endParaRPr lang="en-US" dirty="0"/>
           </a:p>
@@ -6820,7 +6658,7 @@
           <a:p>
             <a:fld id="{F6FA2B21-3FCD-4721-B95C-427943F61125}" type="datetime1">
               <a:rPr lang="en-US" smtClean="0"/>
-              <a:t>11/16/2021</a:t>
+              <a:t>12/5/2021</a:t>
             </a:fld>
             <a:endParaRPr lang="en-US" dirty="0"/>
           </a:p>
@@ -7085,7 +6923,7 @@
           <a:p>
             <a:fld id="{F6FA2B21-3FCD-4721-B95C-427943F61125}" type="datetime1">
               <a:rPr lang="en-US" smtClean="0"/>
-              <a:t>11/16/2021</a:t>
+              <a:t>12/5/2021</a:t>
             </a:fld>
             <a:endParaRPr lang="en-US" dirty="0"/>
           </a:p>
@@ -7409,7 +7247,7 @@
           <a:p>
             <a:fld id="{7332B432-ACDA-4023-A761-2BAB76577B62}" type="datetime1">
               <a:rPr lang="en-US" smtClean="0"/>
-              <a:t>11/16/2021</a:t>
+              <a:t>12/5/2021</a:t>
             </a:fld>
             <a:endParaRPr lang="en-US" dirty="0"/>
           </a:p>
@@ -7798,7 +7636,7 @@
           <a:p>
             <a:fld id="{D9C646AA-F36E-4540-911D-FFFC0A0EF24A}" type="datetime1">
               <a:rPr lang="en-US" smtClean="0"/>
-              <a:t>11/16/2021</a:t>
+              <a:t>12/5/2021</a:t>
             </a:fld>
             <a:endParaRPr lang="en-US" dirty="0"/>
           </a:p>
@@ -8174,7 +8012,7 @@
           <a:p>
             <a:fld id="{69186D26-FA5F-4637-B602-B7C2DC34CFD4}" type="datetime1">
               <a:rPr lang="en-US" smtClean="0"/>
-              <a:t>11/16/2021</a:t>
+              <a:t>12/5/2021</a:t>
             </a:fld>
             <a:endParaRPr lang="en-US" dirty="0"/>
           </a:p>
@@ -8680,7 +8518,7 @@
           <a:p>
             <a:fld id="{8A7F15D8-96D1-4781-BC50-CA8A088B2FE4}" type="datetime1">
               <a:rPr lang="en-US" smtClean="0"/>
-              <a:t>11/16/2021</a:t>
+              <a:t>12/5/2021</a:t>
             </a:fld>
             <a:endParaRPr lang="en-US" dirty="0"/>
           </a:p>
@@ -8937,7 +8775,7 @@
           <a:p>
             <a:fld id="{F9A96C99-B8F8-4528-BD05-0E16E943DC09}" type="datetime1">
               <a:rPr lang="en-US" smtClean="0"/>
-              <a:t>11/16/2021</a:t>
+              <a:t>12/5/2021</a:t>
             </a:fld>
             <a:endParaRPr lang="en-US" dirty="0"/>
           </a:p>
@@ -9100,7 +8938,7 @@
           <a:p>
             <a:fld id="{03636942-C211-4B28-8DBD-C953E00AF71B}" type="datetime1">
               <a:rPr lang="en-US" smtClean="0"/>
-              <a:t>11/16/2021</a:t>
+              <a:t>12/5/2021</a:t>
             </a:fld>
             <a:endParaRPr lang="en-US" dirty="0"/>
           </a:p>
@@ -9490,7 +9328,7 @@
           <a:p>
             <a:fld id="{7E8D12A6-918A-48BD-8CB9-CA713993B0EA}" type="datetime1">
               <a:rPr lang="en-US" smtClean="0"/>
-              <a:t>11/16/2021</a:t>
+              <a:t>12/5/2021</a:t>
             </a:fld>
             <a:endParaRPr lang="en-US" dirty="0"/>
           </a:p>
@@ -9899,7 +9737,7 @@
             <a:fld id="{E778CE86-875F-4587-BCF6-FA054AFC0D53}" type="datetime1">
               <a:rPr lang="en-US" smtClean="0"/>
               <a:pPr/>
-              <a:t>11/16/2021</a:t>
+              <a:t>12/5/2021</a:t>
             </a:fld>
             <a:endParaRPr lang="en-US" dirty="0"/>
           </a:p>
@@ -10144,7 +9982,7 @@
           <a:p>
             <a:fld id="{F6FA2B21-3FCD-4721-B95C-427943F61125}" type="datetime1">
               <a:rPr lang="en-US" smtClean="0"/>
-              <a:t>11/16/2021</a:t>
+              <a:t>12/5/2021</a:t>
             </a:fld>
             <a:endParaRPr lang="en-US" dirty="0"/>
           </a:p>
@@ -11160,8 +10998,8 @@
         </p:nvSpPr>
         <p:spPr>
           <a:xfrm>
-            <a:off x="680321" y="753228"/>
-            <a:ext cx="11002484" cy="1080938"/>
+            <a:off x="680320" y="753228"/>
+            <a:ext cx="11206879" cy="1080938"/>
           </a:xfrm>
         </p:spPr>
         <p:txBody>
@@ -11202,276 +11040,43 @@
             </a:pPr>
             <a:r>
               <a:rPr lang="de-DE" dirty="0"/>
-              <a:t>2. Wortwahl &amp; Klang</a:t>
-            </a:r>
-          </a:p>
-          <a:p>
+              <a:t>3. Stilistische Besonderheiten </a:t>
+            </a:r>
+          </a:p>
+          <a:p>
+            <a:pPr marL="0" indent="0">
+              <a:buNone/>
+            </a:pPr>
             <a:r>
               <a:rPr lang="de-DE" dirty="0"/>
-              <a:t>Häufige Nutzung von Adjektiven: bildhaftere Beschreibung (Apfel &lt;-&gt; grüner Apfel)    </a:t>
-            </a:r>
-          </a:p>
-          <a:p>
+              <a:t>V. 10 | Contradictio in Addiecto</a:t>
+            </a:r>
+          </a:p>
+          <a:p>
+            <a:pPr marL="0" indent="0">
+              <a:buNone/>
+            </a:pPr>
             <a:r>
               <a:rPr lang="de-DE" dirty="0"/>
-              <a:t>„Gedankenmalerei“: Wörter beschreiben ziemlich bildhaft was passiert</a:t>
-            </a:r>
-          </a:p>
-          <a:p>
-            <a:endParaRPr lang="en-DE" dirty="0"/>
-          </a:p>
-        </p:txBody>
-      </p:sp>
-      <p:cxnSp>
-        <p:nvCxnSpPr>
-          <p:cNvPr id="5" name="Straight Connector 4">
-            <a:extLst>
-              <a:ext uri="{FF2B5EF4-FFF2-40B4-BE49-F238E27FC236}">
-                <a16:creationId xmlns:a16="http://schemas.microsoft.com/office/drawing/2014/main" id="{467AB629-F39C-4747-BAEC-B8C0C54AE2E2}"/>
-              </a:ext>
-            </a:extLst>
-          </p:cNvPr>
-          <p:cNvCxnSpPr/>
-          <p:nvPr/>
-        </p:nvCxnSpPr>
-        <p:spPr>
-          <a:xfrm>
-            <a:off x="806824" y="1516828"/>
-            <a:ext cx="6874136" cy="0"/>
-          </a:xfrm>
-          <a:prstGeom prst="line">
-            <a:avLst/>
-          </a:prstGeom>
-        </p:spPr>
-        <p:style>
-          <a:lnRef idx="1">
-            <a:schemeClr val="accent1"/>
-          </a:lnRef>
-          <a:fillRef idx="0">
-            <a:schemeClr val="accent1"/>
-          </a:fillRef>
-          <a:effectRef idx="0">
-            <a:schemeClr val="accent1"/>
-          </a:effectRef>
-          <a:fontRef idx="minor">
-            <a:schemeClr val="tx1"/>
-          </a:fontRef>
-        </p:style>
-      </p:cxnSp>
-      <p:pic>
-        <p:nvPicPr>
-          <p:cNvPr id="6" name="Picture 5" descr="Äpfel an baum (rot)&#10;&#10;Quelle: adamsappletrees.co.uk">
-            <a:extLst>
-              <a:ext uri="{FF2B5EF4-FFF2-40B4-BE49-F238E27FC236}">
-                <a16:creationId xmlns:a16="http://schemas.microsoft.com/office/drawing/2014/main" id="{5EA4BFEE-55AF-42B0-AAA9-294F5341BD74}"/>
-              </a:ext>
-              <a:ext uri="{C183D7F6-B498-43B3-948B-1728B52AA6E4}">
-                <adec:decorative xmlns:adec="http://schemas.microsoft.com/office/drawing/2017/decorative" val="0"/>
-              </a:ext>
-            </a:extLst>
-          </p:cNvPr>
-          <p:cNvPicPr>
-            <a:picLocks noChangeAspect="1"/>
-          </p:cNvPicPr>
-          <p:nvPr/>
-        </p:nvPicPr>
-        <p:blipFill>
-          <a:blip r:embed="rId2"/>
-          <a:stretch>
-            <a:fillRect/>
-          </a:stretch>
-        </p:blipFill>
-        <p:spPr>
-          <a:xfrm>
-            <a:off x="10564008" y="2024511"/>
-            <a:ext cx="1627991" cy="1923365"/>
-          </a:xfrm>
-          <a:prstGeom prst="rect">
-            <a:avLst/>
-          </a:prstGeom>
-        </p:spPr>
-      </p:pic>
-      <p:pic>
-        <p:nvPicPr>
-          <p:cNvPr id="8" name="Picture 7" descr="grüner Apfel auf weißem Hintergrund&#10;&#10;Quelle: bazaarfresh.in">
-            <a:extLst>
-              <a:ext uri="{FF2B5EF4-FFF2-40B4-BE49-F238E27FC236}">
-                <a16:creationId xmlns:a16="http://schemas.microsoft.com/office/drawing/2014/main" id="{852584AC-BC45-406E-8141-E981738DC810}"/>
-              </a:ext>
-            </a:extLst>
-          </p:cNvPr>
-          <p:cNvPicPr>
-            <a:picLocks noChangeAspect="1"/>
-          </p:cNvPicPr>
-          <p:nvPr/>
-        </p:nvPicPr>
-        <p:blipFill>
-          <a:blip r:embed="rId3"/>
-          <a:stretch>
-            <a:fillRect/>
-          </a:stretch>
-        </p:blipFill>
-        <p:spPr>
-          <a:xfrm>
-            <a:off x="10556655" y="3947876"/>
-            <a:ext cx="1635343" cy="1635343"/>
-          </a:xfrm>
-          <a:prstGeom prst="rect">
-            <a:avLst/>
-          </a:prstGeom>
-        </p:spPr>
-      </p:pic>
-    </p:spTree>
-    <p:extLst>
-      <p:ext uri="{BB962C8B-B14F-4D97-AF65-F5344CB8AC3E}">
-        <p14:creationId xmlns:p14="http://schemas.microsoft.com/office/powerpoint/2010/main" val="2991873393"/>
-      </p:ext>
-    </p:extLst>
-  </p:cSld>
-  <p:clrMapOvr>
-    <a:masterClrMapping/>
-  </p:clrMapOvr>
-</p:sld>
-</file>
-
-<file path=ppt/slides/slide11.xml><?xml version="1.0" encoding="utf-8"?>
-<p:sld xmlns:a="http://schemas.openxmlformats.org/drawingml/2006/main" xmlns:r="http://schemas.openxmlformats.org/officeDocument/2006/relationships" xmlns:p="http://schemas.openxmlformats.org/presentationml/2006/main">
-  <p:cSld>
-    <p:spTree>
-      <p:nvGrpSpPr>
-        <p:cNvPr id="1" name=""/>
-        <p:cNvGrpSpPr/>
-        <p:nvPr/>
-      </p:nvGrpSpPr>
-      <p:grpSpPr>
-        <a:xfrm>
-          <a:off x="0" y="0"/>
-          <a:ext cx="0" cy="0"/>
-          <a:chOff x="0" y="0"/>
-          <a:chExt cx="0" cy="0"/>
-        </a:xfrm>
-      </p:grpSpPr>
-      <p:sp>
-        <p:nvSpPr>
-          <p:cNvPr id="2" name="Title 1">
-            <a:extLst>
-              <a:ext uri="{FF2B5EF4-FFF2-40B4-BE49-F238E27FC236}">
-                <a16:creationId xmlns:a16="http://schemas.microsoft.com/office/drawing/2014/main" id="{CD42356E-6F28-47BC-920C-6F00A6BED163}"/>
-              </a:ext>
-            </a:extLst>
-          </p:cNvPr>
-          <p:cNvSpPr>
-            <a:spLocks noGrp="1"/>
-          </p:cNvSpPr>
-          <p:nvPr>
-            <p:ph type="title"/>
-          </p:nvPr>
-        </p:nvSpPr>
-        <p:spPr>
-          <a:xfrm>
-            <a:off x="680320" y="753228"/>
-            <a:ext cx="11206879" cy="1080938"/>
-          </a:xfrm>
-        </p:spPr>
-        <p:txBody>
-          <a:bodyPr/>
-          <a:lstStyle/>
-          <a:p>
+              <a:t>V. 06 | Antithese</a:t>
+            </a:r>
+          </a:p>
+          <a:p>
+            <a:pPr marL="0" indent="0">
+              <a:buNone/>
+            </a:pPr>
             <a:r>
               <a:rPr lang="de-DE" dirty="0"/>
-              <a:t>B.III: Sprachlich-stilistische Mittel                         10</a:t>
-            </a:r>
-            <a:endParaRPr lang="en-DE" dirty="0"/>
-          </a:p>
-        </p:txBody>
-      </p:sp>
-      <p:sp>
-        <p:nvSpPr>
-          <p:cNvPr id="3" name="Content Placeholder 2">
-            <a:extLst>
-              <a:ext uri="{FF2B5EF4-FFF2-40B4-BE49-F238E27FC236}">
-                <a16:creationId xmlns:a16="http://schemas.microsoft.com/office/drawing/2014/main" id="{58597849-2FF5-429D-84A5-3D0F542DB74D}"/>
-              </a:ext>
-            </a:extLst>
-          </p:cNvPr>
-          <p:cNvSpPr>
-            <a:spLocks noGrp="1"/>
-          </p:cNvSpPr>
-          <p:nvPr>
-            <p:ph idx="1"/>
-          </p:nvPr>
-        </p:nvSpPr>
-        <p:spPr/>
-        <p:txBody>
-          <a:bodyPr/>
-          <a:lstStyle/>
+              <a:t>V. 05 | Metapher, Personifikation</a:t>
+            </a:r>
+          </a:p>
           <a:p>
             <a:pPr marL="0" indent="0">
               <a:buNone/>
             </a:pPr>
             <a:r>
               <a:rPr lang="de-DE" dirty="0"/>
-              <a:t>3. Stilistische Besonderheiten </a:t>
-            </a:r>
-          </a:p>
-          <a:p>
-            <a:pPr marL="0" indent="0">
-              <a:buNone/>
-            </a:pPr>
-            <a:r>
-              <a:rPr lang="de-DE" dirty="0"/>
-              <a:t>V. 10 | Contradictio in Addiecto: „</a:t>
-            </a:r>
-            <a:r>
-              <a:rPr lang="en-NZ" dirty="0"/>
-              <a:t>mixed</a:t>
-            </a:r>
-            <a:r>
-              <a:rPr lang="de-DE" dirty="0"/>
-              <a:t> </a:t>
-            </a:r>
-            <a:r>
-              <a:rPr lang="en-NZ" dirty="0"/>
-              <a:t>feelings</a:t>
-            </a:r>
-            <a:r>
-              <a:rPr lang="de-DE" dirty="0"/>
-              <a:t>/</a:t>
-            </a:r>
-            <a:r>
-              <a:rPr lang="en-NZ" dirty="0"/>
-              <a:t>input</a:t>
-            </a:r>
-            <a:r>
-              <a:rPr lang="de-DE" dirty="0"/>
-              <a:t>“</a:t>
-            </a:r>
-          </a:p>
-          <a:p>
-            <a:pPr marL="0" indent="0">
-              <a:buNone/>
-            </a:pPr>
-            <a:r>
-              <a:rPr lang="de-DE" dirty="0"/>
-              <a:t>V. 06 | Antithese: siehe Contradictio in Addiecto</a:t>
-            </a:r>
-          </a:p>
-          <a:p>
-            <a:pPr marL="0" indent="0">
-              <a:buNone/>
-            </a:pPr>
-            <a:r>
-              <a:rPr lang="de-DE" dirty="0"/>
-              <a:t>V. 05 | Metapher, Personifikation / Symbol: Amor -&gt; Liebe</a:t>
-            </a:r>
-          </a:p>
-          <a:p>
-            <a:pPr marL="0" indent="0">
-              <a:buNone/>
-            </a:pPr>
-            <a:r>
-              <a:rPr lang="de-DE" dirty="0"/>
-              <a:t>V. 19 | Metapher, Personifikation / Symbol: Amor -&gt; Liebe</a:t>
+              <a:t>V. 19 | Metapher, Personifikation</a:t>
             </a:r>
           </a:p>
           <a:p>
@@ -11531,6 +11136,154 @@
 </p:sld>
 </file>
 
+<file path=ppt/slides/slide11.xml><?xml version="1.0" encoding="utf-8"?>
+<p:sld xmlns:a="http://schemas.openxmlformats.org/drawingml/2006/main" xmlns:r="http://schemas.openxmlformats.org/officeDocument/2006/relationships" xmlns:p="http://schemas.openxmlformats.org/presentationml/2006/main">
+  <p:cSld>
+    <p:spTree>
+      <p:nvGrpSpPr>
+        <p:cNvPr id="1" name=""/>
+        <p:cNvGrpSpPr/>
+        <p:nvPr/>
+      </p:nvGrpSpPr>
+      <p:grpSpPr>
+        <a:xfrm>
+          <a:off x="0" y="0"/>
+          <a:ext cx="0" cy="0"/>
+          <a:chOff x="0" y="0"/>
+          <a:chExt cx="0" cy="0"/>
+        </a:xfrm>
+      </p:grpSpPr>
+      <p:sp>
+        <p:nvSpPr>
+          <p:cNvPr id="2" name="Title 1">
+            <a:extLst>
+              <a:ext uri="{FF2B5EF4-FFF2-40B4-BE49-F238E27FC236}">
+                <a16:creationId xmlns:a16="http://schemas.microsoft.com/office/drawing/2014/main" id="{EB74880C-6108-4BA2-BA88-134F2F881DDB}"/>
+              </a:ext>
+            </a:extLst>
+          </p:cNvPr>
+          <p:cNvSpPr>
+            <a:spLocks noGrp="1"/>
+          </p:cNvSpPr>
+          <p:nvPr>
+            <p:ph type="title"/>
+          </p:nvPr>
+        </p:nvSpPr>
+        <p:spPr>
+          <a:xfrm>
+            <a:off x="680321" y="753228"/>
+            <a:ext cx="11411274" cy="1080938"/>
+          </a:xfrm>
+        </p:spPr>
+        <p:txBody>
+          <a:bodyPr/>
+          <a:lstStyle/>
+          <a:p>
+            <a:r>
+              <a:rPr lang="de-DE" dirty="0"/>
+              <a:t>B.IV: Zusammenfassende Interpretation			  10 </a:t>
+            </a:r>
+            <a:endParaRPr lang="en-DE" dirty="0"/>
+          </a:p>
+        </p:txBody>
+      </p:sp>
+      <p:sp>
+        <p:nvSpPr>
+          <p:cNvPr id="3" name="Content Placeholder 2">
+            <a:extLst>
+              <a:ext uri="{FF2B5EF4-FFF2-40B4-BE49-F238E27FC236}">
+                <a16:creationId xmlns:a16="http://schemas.microsoft.com/office/drawing/2014/main" id="{AB57910D-84CE-49DB-AEEA-037F587DE512}"/>
+              </a:ext>
+            </a:extLst>
+          </p:cNvPr>
+          <p:cNvSpPr>
+            <a:spLocks noGrp="1"/>
+          </p:cNvSpPr>
+          <p:nvPr>
+            <p:ph idx="1"/>
+          </p:nvPr>
+        </p:nvSpPr>
+        <p:spPr>
+          <a:xfrm>
+            <a:off x="680321" y="2336873"/>
+            <a:ext cx="10152630" cy="3599316"/>
+          </a:xfrm>
+        </p:spPr>
+        <p:txBody>
+          <a:bodyPr/>
+          <a:lstStyle/>
+          <a:p>
+            <a:pPr>
+              <a:buBlip>
+                <a:blip r:embed="rId2">
+                  <a:extLst>
+                    <a:ext uri="{96DAC541-7B7A-43D3-8B79-37D633B846F1}">
+                      <asvg:svgBlip xmlns:asvg="http://schemas.microsoft.com/office/drawing/2016/SVG/main" r:embed="rId3"/>
+                    </a:ext>
+                  </a:extLst>
+                </a:blip>
+              </a:buBlip>
+            </a:pPr>
+            <a:r>
+              <a:rPr lang="de-DE" dirty="0"/>
+              <a:t> In dem Gedicht geht das lyr. Ich auch auf dessen „Es“ (Triebe) ein.</a:t>
+            </a:r>
+          </a:p>
+          <a:p>
+            <a:pPr>
+              <a:buBlip>
+                <a:blip r:embed="rId2">
+                  <a:extLst>
+                    <a:ext uri="{96DAC541-7B7A-43D3-8B79-37D633B846F1}">
+                      <asvg:svgBlip xmlns:asvg="http://schemas.microsoft.com/office/drawing/2016/SVG/main" r:embed="rId3"/>
+                    </a:ext>
+                  </a:extLst>
+                </a:blip>
+              </a:buBlip>
+            </a:pPr>
+            <a:r>
+              <a:rPr lang="de-DE" dirty="0"/>
+              <a:t> Größtenteils wird nur auf die positive Seite eingegangen.</a:t>
+            </a:r>
+          </a:p>
+          <a:p>
+            <a:pPr>
+              <a:buBlip>
+                <a:blip r:embed="rId2">
+                  <a:extLst>
+                    <a:ext uri="{96DAC541-7B7A-43D3-8B79-37D633B846F1}">
+                      <asvg:svgBlip xmlns:asvg="http://schemas.microsoft.com/office/drawing/2016/SVG/main" r:embed="rId3"/>
+                    </a:ext>
+                  </a:extLst>
+                </a:blip>
+              </a:buBlip>
+            </a:pPr>
+            <a:r>
+              <a:rPr lang="de-DE" dirty="0"/>
+              <a:t> Es hat keine (mir ersichtliche) didaktische Wirkung.</a:t>
+            </a:r>
+          </a:p>
+          <a:p>
+            <a:pPr marL="0" indent="0">
+              <a:buNone/>
+            </a:pPr>
+            <a:endParaRPr lang="de-DE" dirty="0"/>
+          </a:p>
+        </p:txBody>
+      </p:sp>
+    </p:spTree>
+    <p:extLst>
+      <p:ext uri="{BB962C8B-B14F-4D97-AF65-F5344CB8AC3E}">
+        <p14:creationId xmlns:p14="http://schemas.microsoft.com/office/powerpoint/2010/main" val="72759967"/>
+      </p:ext>
+    </p:extLst>
+  </p:cSld>
+  <p:clrMapOvr>
+    <a:masterClrMapping/>
+  </p:clrMapOvr>
+</p:sld>
+</file>
+
 <file path=ppt/slides/slide12.xml><?xml version="1.0" encoding="utf-8"?>
 <p:sld xmlns:a="http://schemas.openxmlformats.org/drawingml/2006/main" xmlns:r="http://schemas.openxmlformats.org/officeDocument/2006/relationships" xmlns:p="http://schemas.openxmlformats.org/presentationml/2006/main">
   <p:cSld>
@@ -11550,154 +11303,6 @@
       </p:grpSpPr>
       <p:sp>
         <p:nvSpPr>
-          <p:cNvPr id="2" name="Title 1">
-            <a:extLst>
-              <a:ext uri="{FF2B5EF4-FFF2-40B4-BE49-F238E27FC236}">
-                <a16:creationId xmlns:a16="http://schemas.microsoft.com/office/drawing/2014/main" id="{EB74880C-6108-4BA2-BA88-134F2F881DDB}"/>
-              </a:ext>
-            </a:extLst>
-          </p:cNvPr>
-          <p:cNvSpPr>
-            <a:spLocks noGrp="1"/>
-          </p:cNvSpPr>
-          <p:nvPr>
-            <p:ph type="title"/>
-          </p:nvPr>
-        </p:nvSpPr>
-        <p:spPr>
-          <a:xfrm>
-            <a:off x="680321" y="753228"/>
-            <a:ext cx="11411274" cy="1080938"/>
-          </a:xfrm>
-        </p:spPr>
-        <p:txBody>
-          <a:bodyPr/>
-          <a:lstStyle/>
-          <a:p>
-            <a:r>
-              <a:rPr lang="de-DE" dirty="0"/>
-              <a:t>B.IV: Zusammenfassende Interpretation			  11 </a:t>
-            </a:r>
-            <a:endParaRPr lang="en-DE" dirty="0"/>
-          </a:p>
-        </p:txBody>
-      </p:sp>
-      <p:sp>
-        <p:nvSpPr>
-          <p:cNvPr id="3" name="Content Placeholder 2">
-            <a:extLst>
-              <a:ext uri="{FF2B5EF4-FFF2-40B4-BE49-F238E27FC236}">
-                <a16:creationId xmlns:a16="http://schemas.microsoft.com/office/drawing/2014/main" id="{AB57910D-84CE-49DB-AEEA-037F587DE512}"/>
-              </a:ext>
-            </a:extLst>
-          </p:cNvPr>
-          <p:cNvSpPr>
-            <a:spLocks noGrp="1"/>
-          </p:cNvSpPr>
-          <p:nvPr>
-            <p:ph idx="1"/>
-          </p:nvPr>
-        </p:nvSpPr>
-        <p:spPr>
-          <a:xfrm>
-            <a:off x="680321" y="2336873"/>
-            <a:ext cx="10152630" cy="3599316"/>
-          </a:xfrm>
-        </p:spPr>
-        <p:txBody>
-          <a:bodyPr/>
-          <a:lstStyle/>
-          <a:p>
-            <a:pPr>
-              <a:buBlip>
-                <a:blip r:embed="rId2">
-                  <a:extLst>
-                    <a:ext uri="{96DAC541-7B7A-43D3-8B79-37D633B846F1}">
-                      <asvg:svgBlip xmlns:asvg="http://schemas.microsoft.com/office/drawing/2016/SVG/main" r:embed="rId3"/>
-                    </a:ext>
-                  </a:extLst>
-                </a:blip>
-              </a:buBlip>
-            </a:pPr>
-            <a:r>
-              <a:rPr lang="de-DE" dirty="0"/>
-              <a:t> In dem Gedicht geht das lyr. Ich auch auf dessen „Es“ (Triebe) ein.</a:t>
-            </a:r>
-          </a:p>
-          <a:p>
-            <a:pPr>
-              <a:buBlip>
-                <a:blip r:embed="rId2">
-                  <a:extLst>
-                    <a:ext uri="{96DAC541-7B7A-43D3-8B79-37D633B846F1}">
-                      <asvg:svgBlip xmlns:asvg="http://schemas.microsoft.com/office/drawing/2016/SVG/main" r:embed="rId3"/>
-                    </a:ext>
-                  </a:extLst>
-                </a:blip>
-              </a:buBlip>
-            </a:pPr>
-            <a:r>
-              <a:rPr lang="de-DE" dirty="0"/>
-              <a:t> Größtenteils wird nur auf die positive Seite eingegangen.</a:t>
-            </a:r>
-          </a:p>
-          <a:p>
-            <a:pPr>
-              <a:buBlip>
-                <a:blip r:embed="rId2">
-                  <a:extLst>
-                    <a:ext uri="{96DAC541-7B7A-43D3-8B79-37D633B846F1}">
-                      <asvg:svgBlip xmlns:asvg="http://schemas.microsoft.com/office/drawing/2016/SVG/main" r:embed="rId3"/>
-                    </a:ext>
-                  </a:extLst>
-                </a:blip>
-              </a:buBlip>
-            </a:pPr>
-            <a:r>
-              <a:rPr lang="de-DE" dirty="0"/>
-              <a:t> Es hat keine (mir ersichtliche) didaktische Wirkung.</a:t>
-            </a:r>
-          </a:p>
-          <a:p>
-            <a:pPr marL="0" indent="0">
-              <a:buNone/>
-            </a:pPr>
-            <a:endParaRPr lang="de-DE" dirty="0"/>
-          </a:p>
-        </p:txBody>
-      </p:sp>
-    </p:spTree>
-    <p:extLst>
-      <p:ext uri="{BB962C8B-B14F-4D97-AF65-F5344CB8AC3E}">
-        <p14:creationId xmlns:p14="http://schemas.microsoft.com/office/powerpoint/2010/main" val="72759967"/>
-      </p:ext>
-    </p:extLst>
-  </p:cSld>
-  <p:clrMapOvr>
-    <a:masterClrMapping/>
-  </p:clrMapOvr>
-</p:sld>
-</file>
-
-<file path=ppt/slides/slide13.xml><?xml version="1.0" encoding="utf-8"?>
-<p:sld xmlns:a="http://schemas.openxmlformats.org/drawingml/2006/main" xmlns:r="http://schemas.openxmlformats.org/officeDocument/2006/relationships" xmlns:p="http://schemas.openxmlformats.org/presentationml/2006/main">
-  <p:cSld>
-    <p:spTree>
-      <p:nvGrpSpPr>
-        <p:cNvPr id="1" name=""/>
-        <p:cNvGrpSpPr/>
-        <p:nvPr/>
-      </p:nvGrpSpPr>
-      <p:grpSpPr>
-        <a:xfrm>
-          <a:off x="0" y="0"/>
-          <a:ext cx="0" cy="0"/>
-          <a:chOff x="0" y="0"/>
-          <a:chExt cx="0" cy="0"/>
-        </a:xfrm>
-      </p:grpSpPr>
-      <p:sp>
-        <p:nvSpPr>
           <p:cNvPr id="4" name="Title 3">
             <a:extLst>
               <a:ext uri="{FF2B5EF4-FFF2-40B4-BE49-F238E27FC236}">
@@ -11724,7 +11329,7 @@
           <a:p>
             <a:r>
               <a:rPr lang="de-DE" dirty="0"/>
-              <a:t>C. Schlussgedanke                                                12</a:t>
+              <a:t>C. Schlussgedanke                                                11</a:t>
             </a:r>
             <a:endParaRPr lang="en-DE" dirty="0"/>
           </a:p>
@@ -11756,11 +11361,30 @@
             </a:pPr>
             <a:r>
               <a:rPr lang="de-DE" sz="2800" i="1" dirty="0"/>
-              <a:t>Ist für einen Großteil der Bevölkerung im Kerngedanken immer noch wahr.</a:t>
-            </a:r>
-          </a:p>
-          <a:p>
-            <a:endParaRPr lang="en-DE" dirty="0"/>
+              <a:t>Weiterführende Thematiken: Beziehung, </a:t>
+            </a:r>
+            <a:r>
+              <a:rPr lang="de-DE" sz="2800" i="1" dirty="0" err="1"/>
+              <a:t>bf</a:t>
+            </a:r>
+            <a:r>
+              <a:rPr lang="de-DE" sz="2800" i="1" dirty="0"/>
+              <a:t>/</a:t>
+            </a:r>
+            <a:r>
+              <a:rPr lang="de-DE" sz="2800" i="1" dirty="0" err="1"/>
+              <a:t>gf</a:t>
+            </a:r>
+            <a:r>
+              <a:rPr lang="de-DE" sz="2800" i="1" dirty="0"/>
+              <a:t>?</a:t>
+            </a:r>
+          </a:p>
+          <a:p>
+            <a:pPr marL="0" indent="0">
+              <a:buNone/>
+            </a:pPr>
+            <a:endParaRPr lang="de-DE" sz="2800" i="1" dirty="0"/>
           </a:p>
         </p:txBody>
       </p:sp>
@@ -11777,7 +11401,7 @@
 </p:sld>
 </file>
 
-<file path=ppt/slides/slide14.xml><?xml version="1.0" encoding="utf-8"?>
+<file path=ppt/slides/slide13.xml><?xml version="1.0" encoding="utf-8"?>
 <p:sld xmlns:a="http://schemas.openxmlformats.org/drawingml/2006/main" xmlns:r="http://schemas.openxmlformats.org/officeDocument/2006/relationships" xmlns:p="http://schemas.openxmlformats.org/presentationml/2006/main">
   <p:cSld>
     <p:bg>
@@ -12107,33 +11731,34 @@
           <a:lstStyle/>
           <a:p>
             <a:r>
-              <a:rPr lang="de-DE" dirty="0"/>
+              <a:rPr lang="de-DE"/>
               <a:t>Vielen</a:t>
             </a:r>
             <a:r>
-              <a:rPr lang="en-US" dirty="0"/>
+              <a:rPr lang="en-US"/>
               <a:t> dank </a:t>
             </a:r>
             <a:r>
-              <a:rPr lang="de-DE" dirty="0"/>
+              <a:rPr lang="de-DE"/>
               <a:t>für</a:t>
             </a:r>
             <a:r>
-              <a:rPr lang="en-US" dirty="0"/>
+              <a:rPr lang="en-US"/>
               <a:t> </a:t>
             </a:r>
             <a:r>
-              <a:rPr lang="de-DE" dirty="0"/>
+              <a:rPr lang="de-DE"/>
               <a:t>Eure</a:t>
             </a:r>
             <a:r>
-              <a:rPr lang="en-US" dirty="0"/>
+              <a:rPr lang="en-US"/>
               <a:t> </a:t>
             </a:r>
             <a:r>
-              <a:rPr lang="de-DE" dirty="0"/>
+              <a:rPr lang="de-DE"/>
               <a:t>Aufmerksamkeit</a:t>
             </a:r>
+            <a:endParaRPr lang="de-DE" dirty="0"/>
           </a:p>
         </p:txBody>
       </p:sp>
@@ -12150,7 +11775,7 @@
           <p:nvPr>
             <p:extLst>
               <p:ext uri="{D42A27DB-BD31-4B8C-83A1-F6EECF244321}">
-                <p14:modId xmlns:p14="http://schemas.microsoft.com/office/powerpoint/2010/main" val="2929512673"/>
+                <p14:modId xmlns:p14="http://schemas.microsoft.com/office/powerpoint/2010/main" val="1751168081"/>
               </p:ext>
             </p:extLst>
           </p:nvPr>
@@ -12165,6 +11790,36 @@
           </a:graphicData>
         </a:graphic>
       </p:graphicFrame>
+      <p:pic>
+        <p:nvPicPr>
+          <p:cNvPr id="3" name="Picture 2" descr="Layers of backlit paper">
+            <a:extLst>
+              <a:ext uri="{FF2B5EF4-FFF2-40B4-BE49-F238E27FC236}">
+                <a16:creationId xmlns:a16="http://schemas.microsoft.com/office/drawing/2014/main" id="{CB8EB823-3C8D-4100-BA41-89DEF8BC91D0}"/>
+              </a:ext>
+            </a:extLst>
+          </p:cNvPr>
+          <p:cNvPicPr>
+            <a:picLocks noChangeAspect="1"/>
+          </p:cNvPicPr>
+          <p:nvPr/>
+        </p:nvPicPr>
+        <p:blipFill>
+          <a:blip r:embed="rId10"/>
+          <a:stretch>
+            <a:fillRect/>
+          </a:stretch>
+        </p:blipFill>
+        <p:spPr>
+          <a:xfrm>
+            <a:off x="10437812" y="617158"/>
+            <a:ext cx="1751011" cy="1360640"/>
+          </a:xfrm>
+          <a:prstGeom prst="rect">
+            <a:avLst/>
+          </a:prstGeom>
+        </p:spPr>
+      </p:pic>
     </p:spTree>
     <p:extLst>
       <p:ext uri="{BB962C8B-B14F-4D97-AF65-F5344CB8AC3E}">
@@ -12670,190 +12325,6 @@
           <p:cNvPr id="2" name="Title 1">
             <a:extLst>
               <a:ext uri="{FF2B5EF4-FFF2-40B4-BE49-F238E27FC236}">
-                <a16:creationId xmlns:a16="http://schemas.microsoft.com/office/drawing/2014/main" id="{6EE0AB59-A3F1-458D-8DE1-1FC4407E20F4}"/>
-              </a:ext>
-            </a:extLst>
-          </p:cNvPr>
-          <p:cNvSpPr>
-            <a:spLocks noGrp="1"/>
-          </p:cNvSpPr>
-          <p:nvPr>
-            <p:ph type="title"/>
-          </p:nvPr>
-        </p:nvSpPr>
-        <p:spPr>
-          <a:xfrm>
-            <a:off x="680321" y="753228"/>
-            <a:ext cx="11023999" cy="1080938"/>
-          </a:xfrm>
-        </p:spPr>
-        <p:txBody>
-          <a:bodyPr/>
-          <a:lstStyle/>
-          <a:p>
-            <a:r>
-              <a:rPr lang="de-DE" dirty="0"/>
-              <a:t>Zwischenupdate                                                    4     </a:t>
-            </a:r>
-            <a:endParaRPr lang="en-DE" dirty="0"/>
-          </a:p>
-        </p:txBody>
-      </p:sp>
-      <p:sp>
-        <p:nvSpPr>
-          <p:cNvPr id="3" name="Content Placeholder 2">
-            <a:extLst>
-              <a:ext uri="{FF2B5EF4-FFF2-40B4-BE49-F238E27FC236}">
-                <a16:creationId xmlns:a16="http://schemas.microsoft.com/office/drawing/2014/main" id="{FAA19F72-1F64-41C1-A578-DA8A3A97B8E0}"/>
-              </a:ext>
-            </a:extLst>
-          </p:cNvPr>
-          <p:cNvSpPr>
-            <a:spLocks noGrp="1"/>
-          </p:cNvSpPr>
-          <p:nvPr>
-            <p:ph idx="1"/>
-          </p:nvPr>
-        </p:nvSpPr>
-        <p:spPr/>
-        <p:txBody>
-          <a:bodyPr/>
-          <a:lstStyle/>
-          <a:p>
-            <a:pPr marL="0" indent="0">
-              <a:buNone/>
-            </a:pPr>
-            <a:r>
-              <a:rPr lang="en-DE" dirty="0"/>
-              <a:t>✓</a:t>
-            </a:r>
-            <a:r>
-              <a:rPr lang="de-DE" dirty="0"/>
-              <a:t>: Einleitung</a:t>
-            </a:r>
-          </a:p>
-          <a:p>
-            <a:pPr marL="0" indent="0">
-              <a:buNone/>
-            </a:pPr>
-            <a:r>
-              <a:rPr lang="de-DE" dirty="0"/>
-              <a:t>→: Hauptteil</a:t>
-            </a:r>
-          </a:p>
-          <a:p>
-            <a:pPr marL="674370" lvl="1" indent="-400050">
-              <a:buFont typeface="+mj-lt"/>
-              <a:buAutoNum type="romanUcPeriod"/>
-            </a:pPr>
-            <a:r>
-              <a:rPr lang="de-DE" dirty="0"/>
-              <a:t>Form des Gedichts</a:t>
-            </a:r>
-          </a:p>
-          <a:p>
-            <a:pPr marL="674370" lvl="1" indent="-400050">
-              <a:buFont typeface="+mj-lt"/>
-              <a:buAutoNum type="romanUcPeriod"/>
-            </a:pPr>
-            <a:r>
-              <a:rPr lang="de-DE" dirty="0"/>
-              <a:t>Inhalt und Aufbau</a:t>
-            </a:r>
-          </a:p>
-          <a:p>
-            <a:pPr marL="674370" lvl="1" indent="-400050">
-              <a:buFont typeface="+mj-lt"/>
-              <a:buAutoNum type="romanUcPeriod"/>
-            </a:pPr>
-            <a:r>
-              <a:rPr lang="de-DE" dirty="0"/>
-              <a:t>Sprachlich- stilistische Mittel</a:t>
-            </a:r>
-          </a:p>
-          <a:p>
-            <a:pPr marL="674370" lvl="1" indent="-400050">
-              <a:buFont typeface="+mj-lt"/>
-              <a:buAutoNum type="romanUcPeriod"/>
-            </a:pPr>
-            <a:r>
-              <a:rPr lang="de-DE" dirty="0"/>
-              <a:t>Zusammenfassende Interpretation</a:t>
-            </a:r>
-          </a:p>
-        </p:txBody>
-      </p:sp>
-      <p:cxnSp>
-        <p:nvCxnSpPr>
-          <p:cNvPr id="5" name="Straight Connector 4">
-            <a:extLst>
-              <a:ext uri="{FF2B5EF4-FFF2-40B4-BE49-F238E27FC236}">
-                <a16:creationId xmlns:a16="http://schemas.microsoft.com/office/drawing/2014/main" id="{93FA710D-A71C-4EE4-96C6-4AA2C9CD272E}"/>
-              </a:ext>
-            </a:extLst>
-          </p:cNvPr>
-          <p:cNvCxnSpPr/>
-          <p:nvPr/>
-        </p:nvCxnSpPr>
-        <p:spPr>
-          <a:xfrm>
-            <a:off x="680321" y="1549101"/>
-            <a:ext cx="4161416" cy="0"/>
-          </a:xfrm>
-          <a:prstGeom prst="line">
-            <a:avLst/>
-          </a:prstGeom>
-        </p:spPr>
-        <p:style>
-          <a:lnRef idx="1">
-            <a:schemeClr val="accent1"/>
-          </a:lnRef>
-          <a:fillRef idx="0">
-            <a:schemeClr val="accent1"/>
-          </a:fillRef>
-          <a:effectRef idx="0">
-            <a:schemeClr val="accent1"/>
-          </a:effectRef>
-          <a:fontRef idx="minor">
-            <a:schemeClr val="tx1"/>
-          </a:fontRef>
-        </p:style>
-      </p:cxnSp>
-    </p:spTree>
-    <p:extLst>
-      <p:ext uri="{BB962C8B-B14F-4D97-AF65-F5344CB8AC3E}">
-        <p14:creationId xmlns:p14="http://schemas.microsoft.com/office/powerpoint/2010/main" val="1708552949"/>
-      </p:ext>
-    </p:extLst>
-  </p:cSld>
-  <p:clrMapOvr>
-    <a:masterClrMapping/>
-  </p:clrMapOvr>
-</p:sld>
-</file>
-
-<file path=ppt/slides/slide5.xml><?xml version="1.0" encoding="utf-8"?>
-<p:sld xmlns:a="http://schemas.openxmlformats.org/drawingml/2006/main" xmlns:r="http://schemas.openxmlformats.org/officeDocument/2006/relationships" xmlns:p="http://schemas.openxmlformats.org/presentationml/2006/main">
-  <p:cSld>
-    <p:spTree>
-      <p:nvGrpSpPr>
-        <p:cNvPr id="1" name=""/>
-        <p:cNvGrpSpPr/>
-        <p:nvPr/>
-      </p:nvGrpSpPr>
-      <p:grpSpPr>
-        <a:xfrm>
-          <a:off x="0" y="0"/>
-          <a:ext cx="0" cy="0"/>
-          <a:chOff x="0" y="0"/>
-          <a:chExt cx="0" cy="0"/>
-        </a:xfrm>
-      </p:grpSpPr>
-      <p:sp>
-        <p:nvSpPr>
-          <p:cNvPr id="2" name="Title 1">
-            <a:extLst>
-              <a:ext uri="{FF2B5EF4-FFF2-40B4-BE49-F238E27FC236}">
                 <a16:creationId xmlns:a16="http://schemas.microsoft.com/office/drawing/2014/main" id="{99449052-B4C2-48D6-BADF-C80BD2E3BAB1}"/>
               </a:ext>
             </a:extLst>
@@ -12877,7 +12348,7 @@
           <a:p>
             <a:r>
               <a:rPr lang="de-DE" dirty="0"/>
-              <a:t>B.I: Form des Gedichts                                          5</a:t>
+              <a:t>B.I: Form des Gedichts                                          4</a:t>
             </a:r>
             <a:endParaRPr lang="en-DE" dirty="0"/>
           </a:p>
@@ -12998,7 +12469,7 @@
 </p:sld>
 </file>
 
-<file path=ppt/slides/slide6.xml><?xml version="1.0" encoding="utf-8"?>
+<file path=ppt/slides/slide5.xml><?xml version="1.0" encoding="utf-8"?>
 <p:sld xmlns:a="http://schemas.openxmlformats.org/drawingml/2006/main" xmlns:r="http://schemas.openxmlformats.org/officeDocument/2006/relationships" xmlns:p="http://schemas.openxmlformats.org/presentationml/2006/main">
   <p:cSld>
     <p:spTree>
@@ -13043,7 +12514,7 @@
           <a:p>
             <a:r>
               <a:rPr lang="de-DE" dirty="0"/>
-              <a:t>B.II: Inhalt &amp; Aufbau                                             6</a:t>
+              <a:t>B.II: Inhalt &amp; Aufbau                                             5</a:t>
             </a:r>
             <a:endParaRPr lang="en-DE" dirty="0"/>
           </a:p>
@@ -13176,7 +12647,7 @@
 </p:sld>
 </file>
 
-<file path=ppt/slides/slide7.xml><?xml version="1.0" encoding="utf-8"?>
+<file path=ppt/slides/slide6.xml><?xml version="1.0" encoding="utf-8"?>
 <p:sld xmlns:a="http://schemas.openxmlformats.org/drawingml/2006/main" xmlns:r="http://schemas.openxmlformats.org/officeDocument/2006/relationships" xmlns:p="http://schemas.openxmlformats.org/presentationml/2006/main">
   <p:cSld>
     <p:spTree>
@@ -13221,7 +12692,7 @@
           <a:p>
             <a:r>
               <a:rPr lang="de-DE" dirty="0"/>
-              <a:t>B.III: Sprachlich-stilistische Mittel                          7</a:t>
+              <a:t>B.III: Sprachlich-stilistische Mittel                          6</a:t>
             </a:r>
             <a:endParaRPr lang="en-DE" dirty="0"/>
           </a:p>
@@ -13263,16 +12734,9 @@
             </a:r>
           </a:p>
           <a:p>
-            <a:pPr lvl="1"/>
             <a:r>
               <a:rPr lang="de-DE" dirty="0"/>
-              <a:t>Elegien sind Trauergedichte!</a:t>
-            </a:r>
-          </a:p>
-          <a:p>
-            <a:r>
-              <a:rPr lang="de-DE" dirty="0"/>
-              <a:t>nicht vorhandenes Reimschema: Das Kann man sich nicht mehr schönreimen</a:t>
+              <a:t>nicht vorhandenes Reimschema</a:t>
             </a:r>
             <a:endParaRPr lang="en-DE" dirty="0"/>
           </a:p>
@@ -13327,7 +12791,7 @@
 </p:sld>
 </file>
 
-<file path=ppt/slides/slide8.xml><?xml version="1.0" encoding="utf-8"?>
+<file path=ppt/slides/slide7.xml><?xml version="1.0" encoding="utf-8"?>
 <p:sld xmlns:a="http://schemas.openxmlformats.org/drawingml/2006/main" xmlns:r="http://schemas.openxmlformats.org/officeDocument/2006/relationships" xmlns:p="http://schemas.openxmlformats.org/presentationml/2006/main">
   <p:cSld>
     <p:spTree>
@@ -13372,7 +12836,7 @@
           <a:p>
             <a:r>
               <a:rPr lang="de-DE" dirty="0"/>
-              <a:t>B.III: Sprachlich-stilistische Mittel                          8</a:t>
+              <a:t>B.III: Sprachlich-stilistische Mittel                          7</a:t>
             </a:r>
             <a:endParaRPr lang="en-DE" dirty="0"/>
           </a:p>
@@ -13422,7 +12886,7 @@
           <a:p>
             <a:r>
               <a:rPr lang="de-DE" dirty="0"/>
-              <a:t>Antithese? (V. 6): Betonung des Wiederspruchs / der indirekten Proportionalität</a:t>
+              <a:t>Antithese (V. 6): Betonung des Wiederspruchs / der indirekten Proportionalität</a:t>
             </a:r>
             <a:endParaRPr lang="en-DE" dirty="0"/>
           </a:p>
@@ -13477,7 +12941,7 @@
 </p:sld>
 </file>
 
-<file path=ppt/slides/slide9.xml><?xml version="1.0" encoding="utf-8"?>
+<file path=ppt/slides/slide8.xml><?xml version="1.0" encoding="utf-8"?>
 <p:sld xmlns:a="http://schemas.openxmlformats.org/drawingml/2006/main" xmlns:r="http://schemas.openxmlformats.org/officeDocument/2006/relationships" xmlns:p="http://schemas.openxmlformats.org/presentationml/2006/main">
   <p:cSld>
     <p:spTree>
@@ -13522,7 +12986,7 @@
           <a:p>
             <a:r>
               <a:rPr lang="de-DE" dirty="0"/>
-              <a:t>B.III: Sprachlich-stilistische Mittel                          9</a:t>
+              <a:t>B.III: Sprachlich-stilistische Mittel                          8</a:t>
             </a:r>
             <a:endParaRPr lang="en-DE" dirty="0"/>
           </a:p>
@@ -13606,6 +13070,215 @@
     <p:extLst>
       <p:ext uri="{BB962C8B-B14F-4D97-AF65-F5344CB8AC3E}">
         <p14:creationId xmlns:p14="http://schemas.microsoft.com/office/powerpoint/2010/main" val="3812947535"/>
+      </p:ext>
+    </p:extLst>
+  </p:cSld>
+  <p:clrMapOvr>
+    <a:masterClrMapping/>
+  </p:clrMapOvr>
+</p:sld>
+</file>
+
+<file path=ppt/slides/slide9.xml><?xml version="1.0" encoding="utf-8"?>
+<p:sld xmlns:a="http://schemas.openxmlformats.org/drawingml/2006/main" xmlns:r="http://schemas.openxmlformats.org/officeDocument/2006/relationships" xmlns:p="http://schemas.openxmlformats.org/presentationml/2006/main">
+  <p:cSld>
+    <p:spTree>
+      <p:nvGrpSpPr>
+        <p:cNvPr id="1" name=""/>
+        <p:cNvGrpSpPr/>
+        <p:nvPr/>
+      </p:nvGrpSpPr>
+      <p:grpSpPr>
+        <a:xfrm>
+          <a:off x="0" y="0"/>
+          <a:ext cx="0" cy="0"/>
+          <a:chOff x="0" y="0"/>
+          <a:chExt cx="0" cy="0"/>
+        </a:xfrm>
+      </p:grpSpPr>
+      <p:sp>
+        <p:nvSpPr>
+          <p:cNvPr id="2" name="Title 1">
+            <a:extLst>
+              <a:ext uri="{FF2B5EF4-FFF2-40B4-BE49-F238E27FC236}">
+                <a16:creationId xmlns:a16="http://schemas.microsoft.com/office/drawing/2014/main" id="{CD42356E-6F28-47BC-920C-6F00A6BED163}"/>
+              </a:ext>
+            </a:extLst>
+          </p:cNvPr>
+          <p:cNvSpPr>
+            <a:spLocks noGrp="1"/>
+          </p:cNvSpPr>
+          <p:nvPr>
+            <p:ph type="title"/>
+          </p:nvPr>
+        </p:nvSpPr>
+        <p:spPr>
+          <a:xfrm>
+            <a:off x="680321" y="753228"/>
+            <a:ext cx="11002484" cy="1080938"/>
+          </a:xfrm>
+        </p:spPr>
+        <p:txBody>
+          <a:bodyPr/>
+          <a:lstStyle/>
+          <a:p>
+            <a:r>
+              <a:rPr lang="de-DE" dirty="0"/>
+              <a:t>B.III: Sprachlich-stilistische Mittel                          8</a:t>
+            </a:r>
+            <a:endParaRPr lang="en-DE" dirty="0"/>
+          </a:p>
+        </p:txBody>
+      </p:sp>
+      <p:sp>
+        <p:nvSpPr>
+          <p:cNvPr id="3" name="Content Placeholder 2">
+            <a:extLst>
+              <a:ext uri="{FF2B5EF4-FFF2-40B4-BE49-F238E27FC236}">
+                <a16:creationId xmlns:a16="http://schemas.microsoft.com/office/drawing/2014/main" id="{58597849-2FF5-429D-84A5-3D0F542DB74D}"/>
+              </a:ext>
+            </a:extLst>
+          </p:cNvPr>
+          <p:cNvSpPr>
+            <a:spLocks noGrp="1"/>
+          </p:cNvSpPr>
+          <p:nvPr>
+            <p:ph idx="1"/>
+          </p:nvPr>
+        </p:nvSpPr>
+        <p:spPr/>
+        <p:txBody>
+          <a:bodyPr/>
+          <a:lstStyle/>
+          <a:p>
+            <a:pPr marL="0" indent="0">
+              <a:buNone/>
+            </a:pPr>
+            <a:r>
+              <a:rPr lang="de-DE" dirty="0"/>
+              <a:t>2. Wortwahl &amp; Klang</a:t>
+            </a:r>
+          </a:p>
+          <a:p>
+            <a:r>
+              <a:rPr lang="de-DE" dirty="0"/>
+              <a:t>Häufige Nutzung von Adjektiven: bildhaftere Beschreibung (Apfel &lt;-&gt; grüner Apfel)    </a:t>
+            </a:r>
+          </a:p>
+          <a:p>
+            <a:r>
+              <a:rPr lang="de-DE" dirty="0"/>
+              <a:t>„Gedankenmalerei“: Wörter beschreiben ziemlich bildhaft was passiert</a:t>
+            </a:r>
+          </a:p>
+          <a:p>
+            <a:endParaRPr lang="en-DE" dirty="0"/>
+          </a:p>
+        </p:txBody>
+      </p:sp>
+      <p:cxnSp>
+        <p:nvCxnSpPr>
+          <p:cNvPr id="5" name="Straight Connector 4">
+            <a:extLst>
+              <a:ext uri="{FF2B5EF4-FFF2-40B4-BE49-F238E27FC236}">
+                <a16:creationId xmlns:a16="http://schemas.microsoft.com/office/drawing/2014/main" id="{467AB629-F39C-4747-BAEC-B8C0C54AE2E2}"/>
+              </a:ext>
+            </a:extLst>
+          </p:cNvPr>
+          <p:cNvCxnSpPr/>
+          <p:nvPr/>
+        </p:nvCxnSpPr>
+        <p:spPr>
+          <a:xfrm>
+            <a:off x="806824" y="1516828"/>
+            <a:ext cx="6874136" cy="0"/>
+          </a:xfrm>
+          <a:prstGeom prst="line">
+            <a:avLst/>
+          </a:prstGeom>
+        </p:spPr>
+        <p:style>
+          <a:lnRef idx="1">
+            <a:schemeClr val="accent1"/>
+          </a:lnRef>
+          <a:fillRef idx="0">
+            <a:schemeClr val="accent1"/>
+          </a:fillRef>
+          <a:effectRef idx="0">
+            <a:schemeClr val="accent1"/>
+          </a:effectRef>
+          <a:fontRef idx="minor">
+            <a:schemeClr val="tx1"/>
+          </a:fontRef>
+        </p:style>
+      </p:cxnSp>
+      <p:pic>
+        <p:nvPicPr>
+          <p:cNvPr id="6" name="Picture 5" descr="Äpfel an baum (rot)&#10;&#10;Quelle: adamsappletrees.co.uk">
+            <a:extLst>
+              <a:ext uri="{FF2B5EF4-FFF2-40B4-BE49-F238E27FC236}">
+                <a16:creationId xmlns:a16="http://schemas.microsoft.com/office/drawing/2014/main" id="{5EA4BFEE-55AF-42B0-AAA9-294F5341BD74}"/>
+              </a:ext>
+              <a:ext uri="{C183D7F6-B498-43B3-948B-1728B52AA6E4}">
+                <adec:decorative xmlns:adec="http://schemas.microsoft.com/office/drawing/2017/decorative" val="0"/>
+              </a:ext>
+            </a:extLst>
+          </p:cNvPr>
+          <p:cNvPicPr>
+            <a:picLocks noChangeAspect="1"/>
+          </p:cNvPicPr>
+          <p:nvPr/>
+        </p:nvPicPr>
+        <p:blipFill>
+          <a:blip r:embed="rId2"/>
+          <a:stretch>
+            <a:fillRect/>
+          </a:stretch>
+        </p:blipFill>
+        <p:spPr>
+          <a:xfrm>
+            <a:off x="10564008" y="2024511"/>
+            <a:ext cx="1627991" cy="1923365"/>
+          </a:xfrm>
+          <a:prstGeom prst="rect">
+            <a:avLst/>
+          </a:prstGeom>
+        </p:spPr>
+      </p:pic>
+      <p:pic>
+        <p:nvPicPr>
+          <p:cNvPr id="8" name="Picture 7" descr="grüner Apfel auf weißem Hintergrund&#10;&#10;Quelle: bazaarfresh.in">
+            <a:extLst>
+              <a:ext uri="{FF2B5EF4-FFF2-40B4-BE49-F238E27FC236}">
+                <a16:creationId xmlns:a16="http://schemas.microsoft.com/office/drawing/2014/main" id="{852584AC-BC45-406E-8141-E981738DC810}"/>
+              </a:ext>
+            </a:extLst>
+          </p:cNvPr>
+          <p:cNvPicPr>
+            <a:picLocks noChangeAspect="1"/>
+          </p:cNvPicPr>
+          <p:nvPr/>
+        </p:nvPicPr>
+        <p:blipFill>
+          <a:blip r:embed="rId3"/>
+          <a:stretch>
+            <a:fillRect/>
+          </a:stretch>
+        </p:blipFill>
+        <p:spPr>
+          <a:xfrm>
+            <a:off x="10556655" y="3947876"/>
+            <a:ext cx="1635343" cy="1635343"/>
+          </a:xfrm>
+          <a:prstGeom prst="rect">
+            <a:avLst/>
+          </a:prstGeom>
+        </p:spPr>
+      </p:pic>
+    </p:spTree>
+    <p:extLst>
+      <p:ext uri="{BB962C8B-B14F-4D97-AF65-F5344CB8AC3E}">
+        <p14:creationId xmlns:p14="http://schemas.microsoft.com/office/powerpoint/2010/main" val="2991873393"/>
       </p:ext>
     </p:extLst>
   </p:cSld>
@@ -13870,24 +13543,6 @@
 </file>
 
 <file path=customXml/item1.xml><?xml version="1.0" encoding="utf-8"?>
-<?mso-contentType ?>
-<FormTemplates xmlns="http://schemas.microsoft.com/sharepoint/v3/contenttype/forms">
-  <Display>DocumentLibraryForm</Display>
-  <Edit>DocumentLibraryForm</Edit>
-  <New>DocumentLibraryForm</New>
-</FormTemplates>
-</file>
-
-<file path=customXml/item2.xml><?xml version="1.0" encoding="utf-8"?>
-<p:properties xmlns:p="http://schemas.microsoft.com/office/2006/metadata/properties" xmlns:xsi="http://www.w3.org/2001/XMLSchema-instance" xmlns:pc="http://schemas.microsoft.com/office/infopath/2007/PartnerControls">
-  <documentManagement>
-    <Status xmlns="71af3243-3dd4-4a8d-8c0d-dd76da1f02a5">Not started</Status>
-    <MediaServiceKeyPoints xmlns="71af3243-3dd4-4a8d-8c0d-dd76da1f02a5" xsi:nil="true"/>
-  </documentManagement>
-</p:properties>
-</file>
-
-<file path=customXml/item3.xml><?xml version="1.0" encoding="utf-8"?>
 <ct:contentTypeSchema xmlns:ct="http://schemas.microsoft.com/office/2006/metadata/contentType" xmlns:ma="http://schemas.microsoft.com/office/2006/metadata/properties/metaAttributes" ct:_="" ma:_="" ma:contentTypeName="Document" ma:contentTypeID="0x01010079F111ED35F8CC479449609E8A0923A6" ma:contentTypeVersion="12" ma:contentTypeDescription="Create a new document." ma:contentTypeScope="" ma:versionID="a410dd7f93c95333ffa1b60ed6adedd1">
   <xsd:schema xmlns:xsd="http://www.w3.org/2001/XMLSchema" xmlns:xs="http://www.w3.org/2001/XMLSchema" xmlns:p="http://schemas.microsoft.com/office/2006/metadata/properties" xmlns:ns2="71af3243-3dd4-4a8d-8c0d-dd76da1f02a5" xmlns:ns3="16c05727-aa75-4e4a-9b5f-8a80a1165891" targetNamespace="http://schemas.microsoft.com/office/2006/metadata/properties" ma:root="true" ma:fieldsID="a936d9baba76aa3866493feff160faab" ns2:_="" ns3:_="">
     <xsd:import namespace="71af3243-3dd4-4a8d-8c0d-dd76da1f02a5"/>
@@ -14108,25 +13763,25 @@
 </ct:contentTypeSchema>
 </file>
 
-<file path=customXml/itemProps1.xml><?xml version="1.0" encoding="utf-8"?>
-<ds:datastoreItem xmlns:ds="http://schemas.openxmlformats.org/officeDocument/2006/customXml" ds:itemID="{CDB58277-F8DF-46FF-84EC-EF41B835E69F}">
-  <ds:schemaRefs>
-    <ds:schemaRef ds:uri="http://schemas.microsoft.com/sharepoint/v3/contenttype/forms"/>
-  </ds:schemaRefs>
-</ds:datastoreItem>
+<file path=customXml/item2.xml><?xml version="1.0" encoding="utf-8"?>
+<p:properties xmlns:p="http://schemas.microsoft.com/office/2006/metadata/properties" xmlns:xsi="http://www.w3.org/2001/XMLSchema-instance" xmlns:pc="http://schemas.microsoft.com/office/infopath/2007/PartnerControls">
+  <documentManagement>
+    <Status xmlns="71af3243-3dd4-4a8d-8c0d-dd76da1f02a5">Not started</Status>
+    <MediaServiceKeyPoints xmlns="71af3243-3dd4-4a8d-8c0d-dd76da1f02a5" xsi:nil="true"/>
+  </documentManagement>
+</p:properties>
 </file>
 
-<file path=customXml/itemProps2.xml><?xml version="1.0" encoding="utf-8"?>
-<ds:datastoreItem xmlns:ds="http://schemas.openxmlformats.org/officeDocument/2006/customXml" ds:itemID="{137651BA-F45C-4845-9AB3-E0A65B39F5E1}">
-  <ds:schemaRefs>
-    <ds:schemaRef ds:uri="http://schemas.microsoft.com/office/2006/metadata/properties"/>
-    <ds:schemaRef ds:uri="http://schemas.microsoft.com/office/infopath/2007/PartnerControls"/>
-    <ds:schemaRef ds:uri="71af3243-3dd4-4a8d-8c0d-dd76da1f02a5"/>
-  </ds:schemaRefs>
-</ds:datastoreItem>
+<file path=customXml/item3.xml><?xml version="1.0" encoding="utf-8"?>
+<?mso-contentType ?>
+<FormTemplates xmlns="http://schemas.microsoft.com/sharepoint/v3/contenttype/forms">
+  <Display>DocumentLibraryForm</Display>
+  <Edit>DocumentLibraryForm</Edit>
+  <New>DocumentLibraryForm</New>
+</FormTemplates>
 </file>
 
-<file path=customXml/itemProps3.xml><?xml version="1.0" encoding="utf-8"?>
+<file path=customXml/itemProps1.xml><?xml version="1.0" encoding="utf-8"?>
 <ds:datastoreItem xmlns:ds="http://schemas.openxmlformats.org/officeDocument/2006/customXml" ds:itemID="{2D276E62-80A3-44DD-9BCC-97ED2B99B57F}">
   <ds:schemaRefs>
     <ds:schemaRef ds:uri="http://schemas.microsoft.com/office/2006/metadata/contentType"/>
@@ -14143,4 +13798,22 @@
     <ds:schemaRef ds:uri="http://schemas.microsoft.com/internal/obd"/>
   </ds:schemaRefs>
 </ds:datastoreItem>
+</file>
+
+<file path=customXml/itemProps2.xml><?xml version="1.0" encoding="utf-8"?>
+<ds:datastoreItem xmlns:ds="http://schemas.openxmlformats.org/officeDocument/2006/customXml" ds:itemID="{137651BA-F45C-4845-9AB3-E0A65B39F5E1}">
+  <ds:schemaRefs>
+    <ds:schemaRef ds:uri="http://schemas.microsoft.com/office/2006/metadata/properties"/>
+    <ds:schemaRef ds:uri="http://schemas.microsoft.com/office/infopath/2007/PartnerControls"/>
+    <ds:schemaRef ds:uri="71af3243-3dd4-4a8d-8c0d-dd76da1f02a5"/>
+  </ds:schemaRefs>
+</ds:datastoreItem>
+</file>
+
+<file path=customXml/itemProps3.xml><?xml version="1.0" encoding="utf-8"?>
+<ds:datastoreItem xmlns:ds="http://schemas.openxmlformats.org/officeDocument/2006/customXml" ds:itemID="{CDB58277-F8DF-46FF-84EC-EF41B835E69F}">
+  <ds:schemaRefs>
+    <ds:schemaRef ds:uri="http://schemas.microsoft.com/sharepoint/v3/contenttype/forms"/>
+  </ds:schemaRefs>
+</ds:datastoreItem>
 </file>